--- a/lectures/lecture-17/Lecture-Live A00/Lecture 17 - Lecture.pptx
+++ b/lectures/lecture-17/Lecture-Live A00/Lecture 17 - Lecture.pptx
@@ -142,6 +142,646 @@
     </p:ext>
   </p:extLst>
 </p:presentation>
+</file>
+
+<file path=ppt/ink/ink1.xml><?xml version="1.0" encoding="utf-8"?>
+<inkml:ink xmlns:inkml="http://www.w3.org/2003/InkML">
+  <inkml:definitions>
+    <inkml:context xml:id="ctx0">
+      <inkml:inkSource xml:id="inkSrc0">
+        <inkml:traceFormat>
+          <inkml:channel name="X" type="integer" min="-2.14748E9" max="2.14748E9" units="cm"/>
+          <inkml:channel name="Y" type="integer" min="-2.14748E9" max="2.14748E9" units="cm"/>
+          <inkml:channel name="F" type="integer" max="32767" units="dev"/>
+          <inkml:channel name="OA" type="integer" max="360" units="deg"/>
+          <inkml:channel name="OE" type="integer" max="90" units="deg"/>
+        </inkml:traceFormat>
+        <inkml:channelProperties>
+          <inkml:channelProperty channel="X" name="resolution" value="1000" units="1/cm"/>
+          <inkml:channelProperty channel="Y" name="resolution" value="1000" units="1/cm"/>
+          <inkml:channelProperty channel="F" name="resolution" value="0" units="1/dev"/>
+          <inkml:channelProperty channel="OA" name="resolution" value="1000" units="1/deg"/>
+          <inkml:channelProperty channel="OE" name="resolution" value="1000" units="1/deg"/>
+        </inkml:channelProperties>
+      </inkml:inkSource>
+      <inkml:timestamp xml:id="ts0" timeString="2020-11-13T17:00:32.971"/>
+    </inkml:context>
+    <inkml:brush xml:id="br0">
+      <inkml:brushProperty name="width" value="0.05" units="cm"/>
+      <inkml:brushProperty name="height" value="0.05" units="cm"/>
+      <inkml:brushProperty name="color" value="#004F8B"/>
+    </inkml:brush>
+  </inkml:definitions>
+  <inkml:trace contextRef="#ctx0" brushRef="#br0">14 1 4608 0 0,'0'0'353'0'0,"-11"17"4670"0"0,10-16-4620 0 0,1 0 0 0 0,0 0 0 0 0,-1-1 0 0 0,1 1 0 0 0,0 0 0 0 0,0 0 0 0 0,0 0 0 0 0,0-1 0 0 0,0 1 0 0 0,0 0 0 0 0,0 0 0 0 0,0 1 1 0 0,6 3 254 0 0,1-1 0 0 0,1 0 1 0 0,-1 0-1 0 0,0 0 0 0 0,1-1 0 0 0,0 0 1 0 0,0 0-1 0 0,13 2 0 0 0,71 8 1621 0 0,-84-12-2045 0 0,62 5 919 0 0,141-7 0 0 0,7-3 439 0 0,-137 5-1676 0 0,51 3 226 0 0,-42 0-40 0 0,78 7 395 0 0,-4 0 22 0 0,220 17 497 0 0,-168 2-400 0 0,-164-25-180 0 0,53 0 0 0 0,-19-10 52 0 0,-75 3-466 0 0,0 1 1 0 0,0-2 0 0 0,0 0 0 0 0,0 0-1 0 0,14-7 1 0 0,6 0 97 0 0,-5 2-112 0 0,-25 8-85 0 0,-1 0-66 0 0,2 0 83 0 0,-1 0-185 0 0,-1 3-539 0 0,1 0 317 0 0,-1-1 0 0 0,1 1 0 0 0,-1 0 1 0 0,0 0-1 0 0,0 4 0 0 0,0-6 184 0 0,0 3-512 0 0,0 6-1158 0 0,-5-2-2707 0 0,-7 2 2429 0 0</inkml:trace>
+</inkml:ink>
+</file>
+
+<file path=ppt/ink/ink10.xml><?xml version="1.0" encoding="utf-8"?>
+<inkml:ink xmlns:inkml="http://www.w3.org/2003/InkML">
+  <inkml:definitions>
+    <inkml:context xml:id="ctx0">
+      <inkml:inkSource xml:id="inkSrc0">
+        <inkml:traceFormat>
+          <inkml:channel name="X" type="integer" min="-2.14748E9" max="2.14748E9" units="cm"/>
+          <inkml:channel name="Y" type="integer" min="-2.14748E9" max="2.14748E9" units="cm"/>
+          <inkml:channel name="F" type="integer" max="32767" units="dev"/>
+          <inkml:channel name="OA" type="integer" max="360" units="deg"/>
+          <inkml:channel name="OE" type="integer" max="90" units="deg"/>
+        </inkml:traceFormat>
+        <inkml:channelProperties>
+          <inkml:channelProperty channel="X" name="resolution" value="1000" units="1/cm"/>
+          <inkml:channelProperty channel="Y" name="resolution" value="1000" units="1/cm"/>
+          <inkml:channelProperty channel="F" name="resolution" value="0" units="1/dev"/>
+          <inkml:channelProperty channel="OA" name="resolution" value="1000" units="1/deg"/>
+          <inkml:channelProperty channel="OE" name="resolution" value="1000" units="1/deg"/>
+        </inkml:channelProperties>
+      </inkml:inkSource>
+      <inkml:timestamp xml:id="ts0" timeString="2020-11-13T17:00:51.824"/>
+    </inkml:context>
+    <inkml:brush xml:id="br0">
+      <inkml:brushProperty name="width" value="0.05" units="cm"/>
+      <inkml:brushProperty name="height" value="0.05" units="cm"/>
+      <inkml:brushProperty name="color" value="#004F8B"/>
+    </inkml:brush>
+  </inkml:definitions>
+  <inkml:trace contextRef="#ctx0" brushRef="#br0">4 29 20159 0 0,'0'-12'896'0'0,"0"8"176"0"0,0-1-856 0 0,-3 1-216 0 0,3 0 1280 0 0,0 12-1544 0 0,0-1-120 0 0,3 3-32 0 0</inkml:trace>
+</inkml:ink>
+</file>
+
+<file path=ppt/ink/ink11.xml><?xml version="1.0" encoding="utf-8"?>
+<inkml:ink xmlns:inkml="http://www.w3.org/2003/InkML">
+  <inkml:definitions>
+    <inkml:context xml:id="ctx0">
+      <inkml:inkSource xml:id="inkSrc0">
+        <inkml:traceFormat>
+          <inkml:channel name="X" type="integer" min="-2.14748E9" max="2.14748E9" units="cm"/>
+          <inkml:channel name="Y" type="integer" min="-2.14748E9" max="2.14748E9" units="cm"/>
+          <inkml:channel name="F" type="integer" max="32767" units="dev"/>
+          <inkml:channel name="OA" type="integer" max="360" units="deg"/>
+          <inkml:channel name="OE" type="integer" max="90" units="deg"/>
+        </inkml:traceFormat>
+        <inkml:channelProperties>
+          <inkml:channelProperty channel="X" name="resolution" value="1000" units="1/cm"/>
+          <inkml:channelProperty channel="Y" name="resolution" value="1000" units="1/cm"/>
+          <inkml:channelProperty channel="F" name="resolution" value="0" units="1/dev"/>
+          <inkml:channelProperty channel="OA" name="resolution" value="1000" units="1/deg"/>
+          <inkml:channelProperty channel="OE" name="resolution" value="1000" units="1/deg"/>
+        </inkml:channelProperties>
+      </inkml:inkSource>
+      <inkml:timestamp xml:id="ts0" timeString="2020-11-13T17:00:52.190"/>
+    </inkml:context>
+    <inkml:brush xml:id="br0">
+      <inkml:brushProperty name="width" value="0.05" units="cm"/>
+      <inkml:brushProperty name="height" value="0.05" units="cm"/>
+      <inkml:brushProperty name="color" value="#004F8B"/>
+    </inkml:brush>
+  </inkml:definitions>
+  <inkml:trace contextRef="#ctx0" brushRef="#br0">263 0 10592 0 0,'-3'2'291'0'0,"1"-1"0"0"0,-1 1 0 0 0,-1-1 0 0 0,1 0 0 0 0,0 0 0 0 0,0 0 0 0 0,0-1 0 0 0,0 1 0 0 0,-1-1 0 0 0,1 0 0 0 0,0 0 0 0 0,0 0 0 0 0,-7-1 1 0 0,-10 1 3507 0 0,8 1-2843 0 0,1 1 0 0 0,-1 0 0 0 0,1 1 0 0 0,-14 4 0 0 0,13-2-576 0 0,-1 1 0 0 0,1 0 0 0 0,0 0 0 0 0,0 1 0 0 0,-19 16 0 0 0,29-21-379 0 0,0 0 1 0 0,0 0 0 0 0,0 0-1 0 0,0 0 1 0 0,0 1-1 0 0,0-1 1 0 0,1 1 0 0 0,-1-1-1 0 0,1 1 1 0 0,0-1-1 0 0,-2 6 1 0 0,1-1-3 0 0,0 0 0 0 0,1 0 1 0 0,0 9-1 0 0,-1-2 2 0 0,2-12 37 0 0,0 0 0 0 0,0 0 0 0 0,1 0 0 0 0,-1 1 0 0 0,0-1 0 0 0,1 0 0 0 0,-1 0 0 0 0,1 0 0 0 0,0 0-1 0 0,0 0 1 0 0,0 0 0 0 0,0 0 0 0 0,0 0 0 0 0,0 0 0 0 0,0-1 0 0 0,1 1 0 0 0,-1 0 0 0 0,0-1 0 0 0,1 1 0 0 0,0-1 0 0 0,3 3-1 0 0,-2-2 40 0 0,0 0-1 0 0,0 0 0 0 0,0 0 0 0 0,0 0 0 0 0,1-1 0 0 0,-1 1 0 0 0,1-1 1 0 0,-1 0-1 0 0,1 0 0 0 0,0 0 0 0 0,-1-1 0 0 0,6 1 0 0 0,-3-1-22 0 0,-1-1-1 0 0,1 1 1 0 0,-1-1-1 0 0,1 0 1 0 0,-1-1-1 0 0,1 0 0 0 0,-1 1 1 0 0,1-2-1 0 0,-1 1 1 0 0,0 0-1 0 0,0-1 1 0 0,0 0-1 0 0,-1 0 1 0 0,7-6-1 0 0,3-4 525 0 0,-1 0 0 0 0,23-31 1 0 0,-1 2 620 0 0,-35 41-1191 0 0,0 1-1 0 0,1-1 1 0 0,-1 1 0 0 0,0 0 0 0 0,0-1-1 0 0,1 1 1 0 0,-1 0 0 0 0,0 0-1 0 0,1-1 1 0 0,-1 1 0 0 0,0 0 0 0 0,1 0-1 0 0,-1-1 1 0 0,1 1 0 0 0,-1 0-1 0 0,0 0 1 0 0,1 0 0 0 0,-1 0 0 0 0,1-1-1 0 0,-1 1 1 0 0,1 0 0 0 0,-1 0-1 0 0,0 0 1 0 0,1 0 0 0 0,-1 0-1 0 0,1 0 1 0 0,-1 0 0 0 0,1 0 0 0 0,-1 1-1 0 0,1-1 1 0 0,0 1 6 0 0,0-1 0 0 0,-1 1-1 0 0,1-1 1 0 0,-1 1 0 0 0,1 0 0 0 0,0 0 0 0 0,-1-1-1 0 0,0 1 1 0 0,1 0 0 0 0,-1 0 0 0 0,1 0-1 0 0,-1 0 1 0 0,1 1 0 0 0,3 28 162 0 0,-5 7-355 0 0,-1 21-446 0 0,3-53 552 0 0,-1 1 1 0 0,1 0-1 0 0,0 0 1 0 0,0 0-1 0 0,1-1 1 0 0,-1 1 0 0 0,5 6-1 0 0,-6-11 1 0 0,0-1 0 0 0,0 1-1 0 0,1-1 1 0 0,-1 1 0 0 0,0-1-1 0 0,1 0 1 0 0,-1 1 0 0 0,1-1 0 0 0,-1 0-1 0 0,0 1 1 0 0,1-1 0 0 0,-1 0 0 0 0,1 1-1 0 0,-1-1 1 0 0,1 0 0 0 0,-1 0 0 0 0,1 0-1 0 0,-1 0 1 0 0,1 1 0 0 0,-1-1-1 0 0,1 0 1 0 0,-1 0 0 0 0,1 0 0 0 0,-1 0-1 0 0,1 0 1 0 0,-1 0 0 0 0,1 0 0 0 0,-1 0-1 0 0,1 0 1 0 0,0-1 0 0 0,8-2-2622 0 0,-1-3-3334 0 0</inkml:trace>
+</inkml:ink>
+</file>
+
+<file path=ppt/ink/ink12.xml><?xml version="1.0" encoding="utf-8"?>
+<inkml:ink xmlns:inkml="http://www.w3.org/2003/InkML">
+  <inkml:definitions>
+    <inkml:context xml:id="ctx0">
+      <inkml:inkSource xml:id="inkSrc0">
+        <inkml:traceFormat>
+          <inkml:channel name="X" type="integer" min="-2.14748E9" max="2.14748E9" units="cm"/>
+          <inkml:channel name="Y" type="integer" min="-2.14748E9" max="2.14748E9" units="cm"/>
+          <inkml:channel name="F" type="integer" max="32767" units="dev"/>
+          <inkml:channel name="OA" type="integer" max="360" units="deg"/>
+          <inkml:channel name="OE" type="integer" max="90" units="deg"/>
+        </inkml:traceFormat>
+        <inkml:channelProperties>
+          <inkml:channelProperty channel="X" name="resolution" value="1000" units="1/cm"/>
+          <inkml:channelProperty channel="Y" name="resolution" value="1000" units="1/cm"/>
+          <inkml:channelProperty channel="F" name="resolution" value="0" units="1/dev"/>
+          <inkml:channelProperty channel="OA" name="resolution" value="1000" units="1/deg"/>
+          <inkml:channelProperty channel="OE" name="resolution" value="1000" units="1/deg"/>
+        </inkml:channelProperties>
+      </inkml:inkSource>
+      <inkml:timestamp xml:id="ts0" timeString="2020-11-13T17:00:52.530"/>
+    </inkml:context>
+    <inkml:brush xml:id="br0">
+      <inkml:brushProperty name="width" value="0.05" units="cm"/>
+      <inkml:brushProperty name="height" value="0.05" units="cm"/>
+      <inkml:brushProperty name="color" value="#004F8B"/>
+    </inkml:brush>
+  </inkml:definitions>
+  <inkml:trace contextRef="#ctx0" brushRef="#br0">1 111 21191 0 0,'0'-3'222'0'0,"1"1"1"0"0,0 0-1 0 0,0-1 0 0 0,0 1 0 0 0,0 0 0 0 0,0 0 0 0 0,0 0 0 0 0,1 0 0 0 0,-1 0 1 0 0,1 0-1 0 0,-1 0 0 0 0,1 0 0 0 0,0 0 0 0 0,0 1 0 0 0,0-1 0 0 0,3-1 0 0 0,5-4 458 0 0,0 0 0 0 0,15-7 0 0 0,-6 4-45 0 0,1 2 1 0 0,0 0-1 0 0,29-7 0 0 0,-42 13-628 0 0,-1 1 0 0 0,1 0-1 0 0,0 0 1 0 0,0 0-1 0 0,-1 1 1 0 0,1 0-1 0 0,0 1 1 0 0,0 0 0 0 0,-1 0-1 0 0,1 0 1 0 0,0 0-1 0 0,8 4 1 0 0,-14-4-4 0 0,0 0 0 0 0,1-1-1 0 0,-1 1 1 0 0,0 0 0 0 0,0 0 0 0 0,0 0 0 0 0,0 0 0 0 0,0 0 0 0 0,0 0 0 0 0,0 0 0 0 0,-1 0 0 0 0,1 0 0 0 0,0 0 0 0 0,0 0-1 0 0,-1 0 1 0 0,1 1 0 0 0,-1-1 0 0 0,1 2 0 0 0,0 0 4 0 0,-1-1 0 0 0,0 1-1 0 0,1-1 1 0 0,-1 1 0 0 0,-1-1 0 0 0,1 1 0 0 0,0-1 0 0 0,-1 1-1 0 0,0 3 1 0 0,-2 3 25 0 0,-1 0 0 0 0,0 0 0 0 0,-10 16-1 0 0,-1-3 14 0 0,-1-1 1 0 0,-1-1-1 0 0,0-1 0 0 0,-28 23 0 0 0,30-28-52 0 0,-7 6 91 0 0,21-20 240 0 0,3 1-272 0 0,-1 0 0 0 0,0-1 0 0 0,1 1 0 0 0,-1 0 0 0 0,1-1 0 0 0,-1 1 0 0 0,1-1 0 0 0,-1 0 0 0 0,3 1 0 0 0,4 0 76 0 0,-1-1 0 0 0,0 0 0 0 0,0 0 1 0 0,1-1-1 0 0,-1 0 0 0 0,13-3 0 0 0,-17 3-109 0 0,27-6-2 0 0,32-13-1 0 0,-33 10-597 0 0,-19 7 135 0 0,10-4-1980 0 0,-7 2-4467 0 0,-2 0-2421 0 0</inkml:trace>
+</inkml:ink>
+</file>
+
+<file path=ppt/ink/ink13.xml><?xml version="1.0" encoding="utf-8"?>
+<inkml:ink xmlns:inkml="http://www.w3.org/2003/InkML">
+  <inkml:definitions>
+    <inkml:context xml:id="ctx0">
+      <inkml:inkSource xml:id="inkSrc0">
+        <inkml:traceFormat>
+          <inkml:channel name="X" type="integer" min="-2.14748E9" max="2.14748E9" units="cm"/>
+          <inkml:channel name="Y" type="integer" min="-2.14748E9" max="2.14748E9" units="cm"/>
+          <inkml:channel name="F" type="integer" max="32767" units="dev"/>
+          <inkml:channel name="OA" type="integer" max="360" units="deg"/>
+          <inkml:channel name="OE" type="integer" max="90" units="deg"/>
+        </inkml:traceFormat>
+        <inkml:channelProperties>
+          <inkml:channelProperty channel="X" name="resolution" value="1000" units="1/cm"/>
+          <inkml:channelProperty channel="Y" name="resolution" value="1000" units="1/cm"/>
+          <inkml:channelProperty channel="F" name="resolution" value="0" units="1/dev"/>
+          <inkml:channelProperty channel="OA" name="resolution" value="1000" units="1/deg"/>
+          <inkml:channelProperty channel="OE" name="resolution" value="1000" units="1/deg"/>
+        </inkml:channelProperties>
+      </inkml:inkSource>
+      <inkml:timestamp xml:id="ts0" timeString="2020-11-13T17:00:52.947"/>
+    </inkml:context>
+    <inkml:brush xml:id="br0">
+      <inkml:brushProperty name="width" value="0.05" units="cm"/>
+      <inkml:brushProperty name="height" value="0.05" units="cm"/>
+      <inkml:brushProperty name="color" value="#004F8B"/>
+    </inkml:brush>
+  </inkml:definitions>
+  <inkml:trace contextRef="#ctx0" brushRef="#br0">0 31 21191 0 0,'0'0'2127'0'0,"11"-5"-1926"0"0,12-4 675 0 0,-6 1 200 0 0,-12 6-922 0 0,0 0 0 0 0,-1 1 1 0 0,1 0-1 0 0,0 0 0 0 0,0 1 0 0 0,0-1 0 0 0,0 1 0 0 0,0 0 0 0 0,0 0 1 0 0,0 1-1 0 0,0-1 0 0 0,0 1 0 0 0,0 0 0 0 0,4 2 0 0 0,-8-2-154 0 0,0-1 0 0 0,0 1 0 0 0,0-1-1 0 0,0 1 1 0 0,0-1 0 0 0,-1 1 0 0 0,1 0 0 0 0,0-1 0 0 0,-1 1-1 0 0,1 0 1 0 0,0 0 0 0 0,-1 0 0 0 0,1-1 0 0 0,-1 1 0 0 0,1 0-1 0 0,-1 0 1 0 0,1 0 0 0 0,-1 0 0 0 0,0 0 0 0 0,0 0 0 0 0,1 0-1 0 0,-1 0 1 0 0,0 0 0 0 0,0 0 0 0 0,0 0 0 0 0,0 0 0 0 0,0 0-1 0 0,0 0 1 0 0,0 0 0 0 0,0 0 0 0 0,-1 0 0 0 0,1 0 0 0 0,-1 1-1 0 0,-1 5 23 0 0,0 0-1 0 0,-1 0 0 0 0,-7 11 0 0 0,1 0-208 0 0,5-6 232 0 0,2-7 222 0 0,0 0 0 0 0,0 1 0 0 0,0-1 0 0 0,-5 6 0 0 0,7-11-247 0 0,0 1 0 0 0,0-1-1 0 0,0 1 1 0 0,0-1 0 0 0,0 1 0 0 0,0-1 0 0 0,0 0-1 0 0,0 1 1 0 0,0-1 0 0 0,0 1 0 0 0,0-1 0 0 0,0 1-1 0 0,0-1 1 0 0,0 1 0 0 0,0-1 0 0 0,1 1-1 0 0,-1-1 1 0 0,0 0 0 0 0,0 1 0 0 0,1-1 0 0 0,-1 1-1 0 0,0-1 1 0 0,0 0 0 0 0,1 1 0 0 0,-1-1 0 0 0,0 0-1 0 0,1 1 1 0 0,-1-1 0 0 0,0 0 0 0 0,1 0-1 0 0,-1 1 1 0 0,1-1 0 0 0,13 8-65 0 0,-10-6 61 0 0,0-1 1 0 0,1 0-1 0 0,-1 0 0 0 0,1 0 0 0 0,-1-1 1 0 0,1 0-1 0 0,-1 0 0 0 0,1 0 1 0 0,4-1-1 0 0,43-8-220 0 0,-46 8 120 0 0,41-12-3992 0 0,-33 10 2541 0 0</inkml:trace>
+</inkml:ink>
+</file>
+
+<file path=ppt/ink/ink14.xml><?xml version="1.0" encoding="utf-8"?>
+<inkml:ink xmlns:inkml="http://www.w3.org/2003/InkML">
+  <inkml:definitions>
+    <inkml:context xml:id="ctx0">
+      <inkml:inkSource xml:id="inkSrc0">
+        <inkml:traceFormat>
+          <inkml:channel name="X" type="integer" min="-2.14748E9" max="2.14748E9" units="cm"/>
+          <inkml:channel name="Y" type="integer" min="-2.14748E9" max="2.14748E9" units="cm"/>
+          <inkml:channel name="F" type="integer" max="32767" units="dev"/>
+          <inkml:channel name="OA" type="integer" max="360" units="deg"/>
+          <inkml:channel name="OE" type="integer" max="90" units="deg"/>
+        </inkml:traceFormat>
+        <inkml:channelProperties>
+          <inkml:channelProperty channel="X" name="resolution" value="1000" units="1/cm"/>
+          <inkml:channelProperty channel="Y" name="resolution" value="1000" units="1/cm"/>
+          <inkml:channelProperty channel="F" name="resolution" value="0" units="1/dev"/>
+          <inkml:channelProperty channel="OA" name="resolution" value="1000" units="1/deg"/>
+          <inkml:channelProperty channel="OE" name="resolution" value="1000" units="1/deg"/>
+        </inkml:channelProperties>
+      </inkml:inkSource>
+      <inkml:timestamp xml:id="ts0" timeString="2020-11-13T17:00:53.278"/>
+    </inkml:context>
+    <inkml:brush xml:id="br0">
+      <inkml:brushProperty name="width" value="0.05" units="cm"/>
+      <inkml:brushProperty name="height" value="0.05" units="cm"/>
+      <inkml:brushProperty name="color" value="#004F8B"/>
+    </inkml:brush>
+  </inkml:definitions>
+  <inkml:trace contextRef="#ctx0" brushRef="#br0">182 59 22287 0 0,'0'0'506'0'0,"-5"-18"1415"0"0,5 17-1830 0 0,-1-1 0 0 0,1 0 0 0 0,0 0-1 0 0,-1 0 1 0 0,0 0 0 0 0,1 1 0 0 0,-1-1 0 0 0,0 0 0 0 0,0 0 0 0 0,0 1-1 0 0,0-1 1 0 0,0 1 0 0 0,0-1 0 0 0,0 1 0 0 0,-1-1 0 0 0,1 1 0 0 0,-1 0 0 0 0,-2-2-1 0 0,2 1-16 0 0,-1 1 0 0 0,1 0 0 0 0,-1 0 0 0 0,1 0 0 0 0,-1 1 0 0 0,0-1 0 0 0,1 1 0 0 0,-1-1 0 0 0,0 1 0 0 0,1 0 0 0 0,-1 0 0 0 0,-3 0 0 0 0,1 1-60 0 0,0-1-1 0 0,0 1 1 0 0,0 0 0 0 0,0 1-1 0 0,1-1 1 0 0,-1 1 0 0 0,0 0-1 0 0,1 0 1 0 0,-1 1 0 0 0,1-1-1 0 0,0 1 1 0 0,0 0 0 0 0,0 0-1 0 0,-5 5 1 0 0,1 1-45 0 0,1 0-1 0 0,0 0 1 0 0,-7 15-1 0 0,12-21 115 0 0,1-1 0 0 0,0 1 0 0 0,-1 0 0 0 0,1 0-1 0 0,0 0 1 0 0,1 0 0 0 0,-1 0 0 0 0,0 0 0 0 0,1 0 0 0 0,0 0-1 0 0,-1 0 1 0 0,1 0 0 0 0,1 0 0 0 0,-1 0 0 0 0,0 0 0 0 0,1 0-1 0 0,-1 0 1 0 0,2 3 0 0 0,0-5-42 0 0,-1 0-1 0 0,1 0 1 0 0,0 0-1 0 0,-1-1 1 0 0,1 1-1 0 0,0-1 1 0 0,-1 1-1 0 0,1-1 1 0 0,0 0-1 0 0,0 1 1 0 0,-1-1 0 0 0,1 0-1 0 0,0 0 1 0 0,2-1-1 0 0,2 0 37 0 0,0-1 1 0 0,-1 0-1 0 0,0 0 0 0 0,1 0 1 0 0,-1-1-1 0 0,0 0 0 0 0,0 0 1 0 0,0 0-1 0 0,-1-1 1 0 0,9-7-1 0 0,-5 4 189 0 0,-1 1-1 0 0,12-7 1 0 0,-3 4 11 0 0,-2 0-419 0 0,23-9 0 0 0,-32 16 164 0 0,-1 0-1 0 0,1 1 1 0 0,0 0 0 0 0,-1 0 0 0 0,1 0-1 0 0,0 0 1 0 0,0 1 0 0 0,-1-1 0 0 0,1 1-1 0 0,5 1 1 0 0,-7-1-8 0 0,-1 1 1 0 0,1 0-1 0 0,0-1 1 0 0,-1 1-1 0 0,1 0 0 0 0,-1 0 1 0 0,1 0-1 0 0,-1 1 1 0 0,1-1-1 0 0,-1 1 0 0 0,0-1 1 0 0,0 1-1 0 0,0 0 0 0 0,0-1 1 0 0,0 1-1 0 0,0 0 1 0 0,0 1-1 0 0,0-1 0 0 0,-1 0 1 0 0,1 0-1 0 0,-1 1 1 0 0,1 2-1 0 0,2 5-125 0 0,0 0 1 0 0,-1 0-1 0 0,-1 1 1 0 0,2 15-1 0 0,5 19-9680 0 0</inkml:trace>
+</inkml:ink>
+</file>
+
+<file path=ppt/ink/ink15.xml><?xml version="1.0" encoding="utf-8"?>
+<inkml:ink xmlns:inkml="http://www.w3.org/2003/InkML">
+  <inkml:definitions>
+    <inkml:context xml:id="ctx0">
+      <inkml:inkSource xml:id="inkSrc0">
+        <inkml:traceFormat>
+          <inkml:channel name="X" type="integer" min="-2.14748E9" max="2.14748E9" units="cm"/>
+          <inkml:channel name="Y" type="integer" min="-2.14748E9" max="2.14748E9" units="cm"/>
+          <inkml:channel name="F" type="integer" max="32767" units="dev"/>
+          <inkml:channel name="OA" type="integer" max="360" units="deg"/>
+          <inkml:channel name="OE" type="integer" max="90" units="deg"/>
+        </inkml:traceFormat>
+        <inkml:channelProperties>
+          <inkml:channelProperty channel="X" name="resolution" value="1000" units="1/cm"/>
+          <inkml:channelProperty channel="Y" name="resolution" value="1000" units="1/cm"/>
+          <inkml:channelProperty channel="F" name="resolution" value="0" units="1/dev"/>
+          <inkml:channelProperty channel="OA" name="resolution" value="1000" units="1/deg"/>
+          <inkml:channelProperty channel="OE" name="resolution" value="1000" units="1/deg"/>
+        </inkml:channelProperties>
+      </inkml:inkSource>
+      <inkml:timestamp xml:id="ts0" timeString="2020-11-13T17:00:57.582"/>
+    </inkml:context>
+    <inkml:brush xml:id="br0">
+      <inkml:brushProperty name="width" value="0.05" units="cm"/>
+      <inkml:brushProperty name="height" value="0.05" units="cm"/>
+      <inkml:brushProperty name="color" value="#004F8B"/>
+    </inkml:brush>
+  </inkml:definitions>
+  <inkml:trace contextRef="#ctx0" brushRef="#br0">34 38 2760 0 0,'-5'-12'1579'0'0,"4"11"-1281"0"0,1 0 1 0 0,0 1 0 0 0,0-1 0 0 0,0 0 0 0 0,-1 1-1 0 0,1-1 1 0 0,0 0 0 0 0,-1 0 0 0 0,1 1 0 0 0,0-1 0 0 0,-1 1-1 0 0,1-1 1 0 0,-1 0 0 0 0,-4-9 4092 0 0,-13 5 2759 0 0,17 5-6566 0 0,7 19 102 0 0,-5-16-590 0 0,1-1 0 0 0,0 1 1 0 0,0-1-1 0 0,0 0 1 0 0,0 1-1 0 0,0-1 0 0 0,1 0 1 0 0,-1-1-1 0 0,0 1 0 0 0,1 0 1 0 0,0-1-1 0 0,-1 1 0 0 0,1-1 1 0 0,0 0-1 0 0,4 1 1 0 0,6 2 78 0 0,1 0 0 0 0,14 1 0 0 0,-15-3-433 0 0,131 23 603 0 0,-117-22-345 0 0,0-1-1 0 0,42-3 0 0 0,-17 0 137 0 0,-40 1-127 0 0,277 10-64 0 0,-167-1 90 0 0,24 4 4 0 0,100 3 982 0 0,-213-15-996 0 0,190 12 287 0 0,-75-3-160 0 0,104-7 241 0 0,-161-4-255 0 0,48-6 290 0 0,29 0-268 0 0,-16 19 257 0 0,162-15 540 0 0,-286 2-884 0 0,76 0 320 0 0,-25 1-200 0 0,-77 0-432 0 0</inkml:trace>
+</inkml:ink>
+</file>
+
+<file path=ppt/ink/ink16.xml><?xml version="1.0" encoding="utf-8"?>
+<inkml:ink xmlns:inkml="http://www.w3.org/2003/InkML">
+  <inkml:definitions>
+    <inkml:context xml:id="ctx0">
+      <inkml:inkSource xml:id="inkSrc0">
+        <inkml:traceFormat>
+          <inkml:channel name="X" type="integer" min="-2.14748E9" max="2.14748E9" units="cm"/>
+          <inkml:channel name="Y" type="integer" min="-2.14748E9" max="2.14748E9" units="cm"/>
+          <inkml:channel name="F" type="integer" max="32767" units="dev"/>
+          <inkml:channel name="OA" type="integer" max="360" units="deg"/>
+          <inkml:channel name="OE" type="integer" max="90" units="deg"/>
+        </inkml:traceFormat>
+        <inkml:channelProperties>
+          <inkml:channelProperty channel="X" name="resolution" value="1000" units="1/cm"/>
+          <inkml:channelProperty channel="Y" name="resolution" value="1000" units="1/cm"/>
+          <inkml:channelProperty channel="F" name="resolution" value="0" units="1/dev"/>
+          <inkml:channelProperty channel="OA" name="resolution" value="1000" units="1/deg"/>
+          <inkml:channelProperty channel="OE" name="resolution" value="1000" units="1/deg"/>
+        </inkml:channelProperties>
+      </inkml:inkSource>
+      <inkml:timestamp xml:id="ts0" timeString="2020-11-13T17:01:00.447"/>
+    </inkml:context>
+    <inkml:brush xml:id="br0">
+      <inkml:brushProperty name="width" value="0.05" units="cm"/>
+      <inkml:brushProperty name="height" value="0.05" units="cm"/>
+      <inkml:brushProperty name="color" value="#004F8B"/>
+    </inkml:brush>
+  </inkml:definitions>
+  <inkml:trace contextRef="#ctx0" brushRef="#br0">6 33 17503 0 0,'-5'-11'803'0'0,"4"9"-18"0"0,15 2 478 0 0,22 2-463 0 0,-25-1-424 0 0,0-1-1 0 0,0 0 1 0 0,1 0-1 0 0,-1-1 1 0 0,18-4-1 0 0,27-10-2572 0 0,-47 13 994 0 0</inkml:trace>
+</inkml:ink>
+</file>
+
+<file path=ppt/ink/ink17.xml><?xml version="1.0" encoding="utf-8"?>
+<inkml:ink xmlns:inkml="http://www.w3.org/2003/InkML">
+  <inkml:definitions>
+    <inkml:context xml:id="ctx0">
+      <inkml:inkSource xml:id="inkSrc0">
+        <inkml:traceFormat>
+          <inkml:channel name="X" type="integer" min="-2.14748E9" max="2.14748E9" units="cm"/>
+          <inkml:channel name="Y" type="integer" min="-2.14748E9" max="2.14748E9" units="cm"/>
+          <inkml:channel name="F" type="integer" max="32767" units="dev"/>
+          <inkml:channel name="OA" type="integer" max="360" units="deg"/>
+          <inkml:channel name="OE" type="integer" max="90" units="deg"/>
+        </inkml:traceFormat>
+        <inkml:channelProperties>
+          <inkml:channelProperty channel="X" name="resolution" value="1000" units="1/cm"/>
+          <inkml:channelProperty channel="Y" name="resolution" value="1000" units="1/cm"/>
+          <inkml:channelProperty channel="F" name="resolution" value="0" units="1/dev"/>
+          <inkml:channelProperty channel="OA" name="resolution" value="1000" units="1/deg"/>
+          <inkml:channelProperty channel="OE" name="resolution" value="1000" units="1/deg"/>
+        </inkml:channelProperties>
+      </inkml:inkSource>
+      <inkml:timestamp xml:id="ts0" timeString="2020-11-13T17:01:01.166"/>
+    </inkml:context>
+    <inkml:brush xml:id="br0">
+      <inkml:brushProperty name="width" value="0.05" units="cm"/>
+      <inkml:brushProperty name="height" value="0.05" units="cm"/>
+      <inkml:brushProperty name="color" value="#004F8B"/>
+    </inkml:brush>
+  </inkml:definitions>
+  <inkml:trace contextRef="#ctx0" brushRef="#br0">132 1 10592 0 0,'-3'2'98'0'0,"0"1"1"0"0,0-1 0 0 0,1 1-1 0 0,-1 0 1 0 0,0 0-1 0 0,1 0 1 0 0,0 0 0 0 0,0 0-1 0 0,0 1 1 0 0,0-1-1 0 0,0 1 1 0 0,1-1 0 0 0,-1 1-1 0 0,1 0 1 0 0,-2 7-1 0 0,0 5 936 0 0,1 1 0 0 0,0 23 0 0 0,1-26 70 0 0,0 20-347 0 0,-12 298 2762 0 0,18 0-2317 0 0,20 126-190 0 0,-13-152-207 0 0,-22 174-658 0 0,9-449-246 0 0,-31 307 778 0 0,10-139-229 0 0,4-70-234 0 0,0 3 268 0 0,7-2-531 0 0,8 167 0 0 0,7-233-130 0 0,3 108 620 0 0,-8-157-196 0 0,1 0 0 0 0,1 1-1 0 0,1-1 1 0 0,0 0 0 0 0,5 17-1 0 0,-7-31-197 0 0,0 0-1 0 0,0 0 1 0 0,1-1-1 0 0,-1 1 1 0 0,0 0 0 0 0,0 0-1 0 0,1-1 1 0 0,-1 1-1 0 0,1 0 1 0 0,-1-1 0 0 0,0 1-1 0 0,1 0 1 0 0,-1-1-1 0 0,1 1 1 0 0,-1-1-1 0 0,1 1 1 0 0,0 0 0 0 0,-1-1-1 0 0,1 0 1 0 0,0 1-1 0 0,-1-1 1 0 0,1 1 0 0 0,0-1-1 0 0,0 0 1 0 0,-1 1-1 0 0,1-1 1 0 0,0 0-1 0 0,0 0 1 0 0,-1 0 0 0 0,1 0-1 0 0,0 1 1 0 0,0-1-1 0 0,0 0 1 0 0,-1 0-1 0 0,1 0 1 0 0,0-1 0 0 0,0 1-1 0 0,0 0 1 0 0,-1 0-1 0 0,2-1 1 0 0,2-1-30 0 0,0 0 0 0 0,0 0 0 0 0,0-1 0 0 0,0 1 0 0 0,6-7 0 0 0,-8 7 10 0 0,7-5 35 0 0,0 1 0 0 0,14-7 0 0 0,-3 1-15 0 0,-3 2-53 0 0,-1 2 0 0 0,1 0 0 0 0,0 1-1 0 0,19-5 1 0 0,74-15-39 0 0,-69 18 27 0 0,-27 6-36 0 0,-1 0-640 0 0,23-7 0 0 0,-35 10 77 0 0</inkml:trace>
+</inkml:ink>
+</file>
+
+<file path=ppt/ink/ink18.xml><?xml version="1.0" encoding="utf-8"?>
+<inkml:ink xmlns:inkml="http://www.w3.org/2003/InkML">
+  <inkml:definitions>
+    <inkml:context xml:id="ctx0">
+      <inkml:inkSource xml:id="inkSrc0">
+        <inkml:traceFormat>
+          <inkml:channel name="X" type="integer" min="-2.14748E9" max="2.14748E9" units="cm"/>
+          <inkml:channel name="Y" type="integer" min="-2.14748E9" max="2.14748E9" units="cm"/>
+          <inkml:channel name="F" type="integer" max="32767" units="dev"/>
+          <inkml:channel name="OA" type="integer" max="360" units="deg"/>
+          <inkml:channel name="OE" type="integer" max="90" units="deg"/>
+        </inkml:traceFormat>
+        <inkml:channelProperties>
+          <inkml:channelProperty channel="X" name="resolution" value="1000" units="1/cm"/>
+          <inkml:channelProperty channel="Y" name="resolution" value="1000" units="1/cm"/>
+          <inkml:channelProperty channel="F" name="resolution" value="0" units="1/dev"/>
+          <inkml:channelProperty channel="OA" name="resolution" value="1000" units="1/deg"/>
+          <inkml:channelProperty channel="OE" name="resolution" value="1000" units="1/deg"/>
+        </inkml:channelProperties>
+      </inkml:inkSource>
+      <inkml:timestamp xml:id="ts0" timeString="2020-11-13T17:01:12.812"/>
+    </inkml:context>
+    <inkml:brush xml:id="br0">
+      <inkml:brushProperty name="width" value="0.05" units="cm"/>
+      <inkml:brushProperty name="height" value="0.05" units="cm"/>
+      <inkml:brushProperty name="color" value="#004F8B"/>
+    </inkml:brush>
+  </inkml:definitions>
+  <inkml:trace contextRef="#ctx0" brushRef="#br0">8 52 7344 0 0,'-6'-3'7166'0'0,"6"3"-7073"0"0,-1-1 0 0 0,1 1 0 0 0,0 0-1 0 0,0-1 1 0 0,0 1 0 0 0,0-1 0 0 0,0 1-1 0 0,0 0 1 0 0,0-1 0 0 0,0 1 0 0 0,0 0-1 0 0,0-1 1 0 0,0 1 0 0 0,0 0 0 0 0,0-1-1 0 0,0 1 1 0 0,0 0 0 0 0,0-1 0 0 0,0 1-1 0 0,1 0 1 0 0,-1-1 0 0 0,0 1 0 0 0,0 0-1 0 0,0-1 1 0 0,1 1 0 0 0,-1 0 0 0 0,0 0 0 0 0,1-1-1 0 0,6-9 2715 0 0,-5 9-2621 0 0,0 0-1 0 0,0 0 0 0 0,0 0 0 0 0,0 1 1 0 0,0-1-1 0 0,0 0 0 0 0,0 1 0 0 0,0-1 0 0 0,0 1 1 0 0,0 0-1 0 0,0 0 0 0 0,1 0 0 0 0,2 0 1 0 0,32 5 1194 0 0,-25-3-1052 0 0,35 7 440 0 0,-33-6-568 0 0,0 0 0 0 0,1-1 1 0 0,17 1-1 0 0,21-1 141 0 0,23-1 71 0 0,64-1 333 0 0,36-3 326 0 0,96-10 217 0 0,-117 1-616 0 0,-121 7-342 0 0,1 3 0 0 0,-1 0 0 0 0,63 6 0 0 0,-69 0-294 0 0,-13-1 22 0 0,0-1 1 0 0,0 0-1 0 0,0-1 1 0 0,29-3-1 0 0,-31 2 249 0 0,-11-1-270 0 0,0 0 0 0 0,0 0 0 0 0,0 0 0 0 0,0 0 0 0 0,0 0 0 0 0,-1-1 0 0 0,4-2 0 0 0,-5 4 15 0 0,15-13-355 0 0,-15 12 207 0 0,0 1 0 0 0,0 0 0 0 0,0 0 0 0 0,0 0 0 0 0,0 0 0 0 0,0-1 0 0 0,1 1 0 0 0,-1 0 0 0 0,0 0 0 0 0,0 0 0 0 0,0 0 0 0 0,0 0 0 0 0,0-1 0 0 0,0 1 0 0 0,0 0 0 0 0,1 0 1 0 0,-1 0-1 0 0,0 0 0 0 0,0 0 0 0 0,0 0 0 0 0,0 0 0 0 0,1 0 0 0 0,-1-1 0 0 0,0 1 0 0 0,0 0 0 0 0,0 0 0 0 0,0 0 0 0 0,1 0 0 0 0,-1 0 0 0 0,0 0 0 0 0,0 0 0 0 0,0 0 0 0 0,1 0 0 0 0,-1 0 0 0 0,0 0 0 0 0,0 0 0 0 0,0 0 0 0 0,0 0 0 0 0,1 1 0 0 0,-1-1 0 0 0,5 0-2537 0 0</inkml:trace>
+</inkml:ink>
+</file>
+
+<file path=ppt/ink/ink19.xml><?xml version="1.0" encoding="utf-8"?>
+<inkml:ink xmlns:inkml="http://www.w3.org/2003/InkML">
+  <inkml:definitions>
+    <inkml:context xml:id="ctx0">
+      <inkml:inkSource xml:id="inkSrc0">
+        <inkml:traceFormat>
+          <inkml:channel name="X" type="integer" min="-2.14748E9" max="2.14748E9" units="cm"/>
+          <inkml:channel name="Y" type="integer" min="-2.14748E9" max="2.14748E9" units="cm"/>
+          <inkml:channel name="F" type="integer" max="32767" units="dev"/>
+          <inkml:channel name="OA" type="integer" max="360" units="deg"/>
+          <inkml:channel name="OE" type="integer" max="90" units="deg"/>
+        </inkml:traceFormat>
+        <inkml:channelProperties>
+          <inkml:channelProperty channel="X" name="resolution" value="1000" units="1/cm"/>
+          <inkml:channelProperty channel="Y" name="resolution" value="1000" units="1/cm"/>
+          <inkml:channelProperty channel="F" name="resolution" value="0" units="1/dev"/>
+          <inkml:channelProperty channel="OA" name="resolution" value="1000" units="1/deg"/>
+          <inkml:channelProperty channel="OE" name="resolution" value="1000" units="1/deg"/>
+        </inkml:channelProperties>
+      </inkml:inkSource>
+      <inkml:timestamp xml:id="ts0" timeString="2020-11-13T17:01:15.226"/>
+    </inkml:context>
+    <inkml:brush xml:id="br0">
+      <inkml:brushProperty name="width" value="0.05" units="cm"/>
+      <inkml:brushProperty name="height" value="0.05" units="cm"/>
+      <inkml:brushProperty name="color" value="#004F8B"/>
+    </inkml:brush>
+  </inkml:definitions>
+  <inkml:trace contextRef="#ctx0" brushRef="#br0">22 0 7832 0 0,'-7'5'833'0'0,"-7"5"5979"0"0,14 6-2898 0 0,2-14-3829 0 0,0 0 163 0 0,1 1-1 0 0,-1 0 0 0 0,1-1 0 0 0,0 0 0 0 0,0 0 0 0 0,0 0 1 0 0,0 0-1 0 0,0 0 0 0 0,0-1 0 0 0,5 3 0 0 0,7 0 107 0 0,0-1 0 0 0,0 0 0 0 0,0-1 0 0 0,16 0 0 0 0,63-4 2389 0 0,-28 0-1836 0 0,191-5 209 0 0,-61 7-448 0 0,-43 8-223 0 0,117-1 561 0 0,-228-8-778 0 0,-19 1-22 0 0,1-2-1 0 0,39-6 1 0 0,0 1 146 0 0,-49 4-258 0 0,0 1 0 0 0,0 1 0 0 0,1 0-1 0 0,26 2 1 0 0,-29-2-35 0 0,-11 1-54 0 0,1 0 0 0 0,-1-1-1 0 0,0 1 1 0 0,1 0 0 0 0,-1 0 0 0 0,0 0 0 0 0,1 0 0 0 0,-1 0 0 0 0,0 1 0 0 0,1-1-1 0 0,-1 0 1 0 0,0 1 0 0 0,2 0 0 0 0,0-1-6 0 0,0 1-1 0 0,-1 0 1 0 0,1-1-1 0 0,0 1 1 0 0,0-1-1 0 0,0 0 1 0 0,5 0 0 0 0,-1-1-111 0 0,-7 1-116 0 0,1 0-224 0 0,4-2 411 0 0,-2 0-11 0 0,-19-18-2571 0 0,15 14 1098 0 0</inkml:trace>
+</inkml:ink>
+</file>
+
+<file path=ppt/ink/ink2.xml><?xml version="1.0" encoding="utf-8"?>
+<inkml:ink xmlns:inkml="http://www.w3.org/2003/InkML">
+  <inkml:definitions>
+    <inkml:context xml:id="ctx0">
+      <inkml:inkSource xml:id="inkSrc0">
+        <inkml:traceFormat>
+          <inkml:channel name="X" type="integer" min="-2.14748E9" max="2.14748E9" units="cm"/>
+          <inkml:channel name="Y" type="integer" min="-2.14748E9" max="2.14748E9" units="cm"/>
+          <inkml:channel name="F" type="integer" max="32767" units="dev"/>
+          <inkml:channel name="OA" type="integer" max="360" units="deg"/>
+          <inkml:channel name="OE" type="integer" max="90" units="deg"/>
+        </inkml:traceFormat>
+        <inkml:channelProperties>
+          <inkml:channelProperty channel="X" name="resolution" value="1000" units="1/cm"/>
+          <inkml:channelProperty channel="Y" name="resolution" value="1000" units="1/cm"/>
+          <inkml:channelProperty channel="F" name="resolution" value="0" units="1/dev"/>
+          <inkml:channelProperty channel="OA" name="resolution" value="1000" units="1/deg"/>
+          <inkml:channelProperty channel="OE" name="resolution" value="1000" units="1/deg"/>
+        </inkml:channelProperties>
+      </inkml:inkSource>
+      <inkml:timestamp xml:id="ts0" timeString="2020-11-13T17:00:35.397"/>
+    </inkml:context>
+    <inkml:brush xml:id="br0">
+      <inkml:brushProperty name="width" value="0.05" units="cm"/>
+      <inkml:brushProperty name="height" value="0.05" units="cm"/>
+      <inkml:brushProperty name="color" value="#004F8B"/>
+    </inkml:brush>
+  </inkml:definitions>
+  <inkml:trace contextRef="#ctx0" brushRef="#br0">18 105 7368 0 0,'-3'2'173'0'0,"2"-2"-23"0"0,0 0 1 0 0,0 1 0 0 0,-10 9 8690 0 0,28-1-6436 0 0,-9-7-2065 0 0,1 1-1 0 0,0-2 0 0 0,-1 0 0 0 0,1 0 0 0 0,0 0 0 0 0,12-1 0 0 0,-15 0-202 0 0,129-11 1434 0 0,-83 6-1058 0 0,74-10 954 0 0,25-2-401 0 0,-58 10-531 0 0,326-14 314 0 0,-245 17 831 0 0,84-17-1404 0 0,105-11 504 0 0,-307 29-623 0 0,1 3 1 0 0,75 10-1 0 0,-6 0 271 0 0,-22-3-104 0 0,165 38-324 0 0,-229-38 0 0 0,-28-6 0 0 0,0 1 0 0 0,19 6 0 0 0,74 20 211 0 0,-100-26-202 0 0,25 2 127 0 0,-23-3-100 0 0,0 0 1 0 0,1 0-1 0 0,10 4 0 0 0,-10-3 0 0 0,0 0 0 0 0,-1-1 0 0 0,1 1 0 0 0,0-2 0 0 0,0 1 0 0 0,10-2 0 0 0,-8 1 53 0 0,0 0 0 0 0,18 3 0 0 0,-25-2-84 0 0,0-1 1 0 0,0 0-1 0 0,0 0 1 0 0,0 0-1 0 0,6-1 1 0 0,-7 1-6 0 0,1-1 0 0 0,0 1 1 0 0,-1 0-1 0 0,1 0 1 0 0,0 0-1 0 0,-1 0 1 0 0,4 1-1 0 0,-4-1 0 0 0,0 0 0 0 0,0 0 0 0 0,0 0 0 0 0,1-1 0 0 0,-1 1 0 0 0,0-1 0 0 0,0 0 0 0 0,-1 1 0 0 0,1-1 0 0 0,3-2 0 0 0,-4 3 4 0 0,3-7-43 0 0,-3 6-141 0 0,-6 1-2256 0 0,3 0 1921 0 0,0 1-1 0 0,0-1 0 0 0,0 0 1 0 0,0 1-1 0 0,0-1 1 0 0,0 1-1 0 0,0 0 1 0 0,1 0-1 0 0,-1 0 1 0 0,0 0-1 0 0,0 0 1 0 0,1 0-1 0 0,-1 0 1 0 0,-1 2-1 0 0,-11 7-3084 0 0</inkml:trace>
+</inkml:ink>
+</file>
+
+<file path=ppt/ink/ink20.xml><?xml version="1.0" encoding="utf-8"?>
+<inkml:ink xmlns:inkml="http://www.w3.org/2003/InkML">
+  <inkml:definitions>
+    <inkml:context xml:id="ctx0">
+      <inkml:inkSource xml:id="inkSrc0">
+        <inkml:traceFormat>
+          <inkml:channel name="X" type="integer" min="-2.14748E9" max="2.14748E9" units="cm"/>
+          <inkml:channel name="Y" type="integer" min="-2.14748E9" max="2.14748E9" units="cm"/>
+          <inkml:channel name="F" type="integer" max="32767" units="dev"/>
+          <inkml:channel name="OA" type="integer" max="360" units="deg"/>
+          <inkml:channel name="OE" type="integer" max="90" units="deg"/>
+        </inkml:traceFormat>
+        <inkml:channelProperties>
+          <inkml:channelProperty channel="X" name="resolution" value="1000" units="1/cm"/>
+          <inkml:channelProperty channel="Y" name="resolution" value="1000" units="1/cm"/>
+          <inkml:channelProperty channel="F" name="resolution" value="0" units="1/dev"/>
+          <inkml:channelProperty channel="OA" name="resolution" value="1000" units="1/deg"/>
+          <inkml:channelProperty channel="OE" name="resolution" value="1000" units="1/deg"/>
+        </inkml:channelProperties>
+      </inkml:inkSource>
+      <inkml:timestamp xml:id="ts0" timeString="2020-11-13T17:01:21.262"/>
+    </inkml:context>
+    <inkml:brush xml:id="br0">
+      <inkml:brushProperty name="width" value="0.05" units="cm"/>
+      <inkml:brushProperty name="height" value="0.05" units="cm"/>
+      <inkml:brushProperty name="color" value="#004F8B"/>
+    </inkml:brush>
+  </inkml:definitions>
+  <inkml:trace contextRef="#ctx0" brushRef="#br0">17 130 4608 0 0,'-16'15'18338'0'0,"21"-13"-17729"0"0,3-2-155 0 0,1 0 0 0 0,0 0 0 0 0,16-3 0 0 0,0 1 134 0 0,121-9 1307 0 0,141-8 314 0 0,-161 8-1197 0 0,7 0-368 0 0,-33 4-644 0 0,54-2 0 0 0,10 4 460 0 0,-164 6-404 0 0,2 0-6 0 0,9-8 395 0 0,-10 7-443 0 0,0-1-2 0 0,1 0 0 0 0,-1 0 0 0 0,1-1-1 0 0,-1 1 1 0 0,0 0 0 0 0,0-1 0 0 0,0 1 0 0 0,1-1 0 0 0,-1 1 0 0 0,0-1 0 0 0,-1 1 0 0 0,1-1 0 0 0,0 0-1 0 0,0 1 1 0 0,-1-1 0 0 0,1 0 0 0 0,-1 0 0 0 0,1 1 0 0 0,-1-1 0 0 0,0 0 0 0 0,0-3 0 0 0,0 2-181 0 0,1 1 1 0 0,-1 0 0 0 0,1 0 0 0 0,-1 0-1 0 0,1 0 1 0 0,0 0 0 0 0,1-3 0 0 0,2-2-3105 0 0</inkml:trace>
+</inkml:ink>
+</file>
+
+<file path=ppt/ink/ink3.xml><?xml version="1.0" encoding="utf-8"?>
+<inkml:ink xmlns:inkml="http://www.w3.org/2003/InkML">
+  <inkml:definitions>
+    <inkml:context xml:id="ctx0">
+      <inkml:inkSource xml:id="inkSrc0">
+        <inkml:traceFormat>
+          <inkml:channel name="X" type="integer" min="-2.14748E9" max="2.14748E9" units="cm"/>
+          <inkml:channel name="Y" type="integer" min="-2.14748E9" max="2.14748E9" units="cm"/>
+          <inkml:channel name="F" type="integer" max="32767" units="dev"/>
+          <inkml:channel name="OA" type="integer" max="360" units="deg"/>
+          <inkml:channel name="OE" type="integer" max="90" units="deg"/>
+        </inkml:traceFormat>
+        <inkml:channelProperties>
+          <inkml:channelProperty channel="X" name="resolution" value="1000" units="1/cm"/>
+          <inkml:channelProperty channel="Y" name="resolution" value="1000" units="1/cm"/>
+          <inkml:channelProperty channel="F" name="resolution" value="0" units="1/dev"/>
+          <inkml:channelProperty channel="OA" name="resolution" value="1000" units="1/deg"/>
+          <inkml:channelProperty channel="OE" name="resolution" value="1000" units="1/deg"/>
+        </inkml:channelProperties>
+      </inkml:inkSource>
+      <inkml:timestamp xml:id="ts0" timeString="2020-11-13T17:00:38.387"/>
+    </inkml:context>
+    <inkml:brush xml:id="br0">
+      <inkml:brushProperty name="width" value="0.05" units="cm"/>
+      <inkml:brushProperty name="height" value="0.05" units="cm"/>
+      <inkml:brushProperty name="color" value="#004F8B"/>
+    </inkml:brush>
+  </inkml:definitions>
+  <inkml:trace contextRef="#ctx0" brushRef="#br0">56 0 6448 0 0,'-2'1'289'0'0,"-1"-1"1"0"0,0 0-1 0 0,1 1 1 0 0,-1 0 0 0 0,1-1-1 0 0,-6 3 1 0 0,5-1 372 0 0,0-1 0 0 0,1 0 0 0 0,-1 1 1 0 0,0 0-1 0 0,1 0 0 0 0,-1-1 0 0 0,1 2 0 0 0,-1-1 1 0 0,-3 5 1661 0 0,6-7-2275 0 0,0 0-1 0 0,0 0 0 0 0,0 0 0 0 0,0 0 0 0 0,-1 0 0 0 0,1 0 1 0 0,0 0-1 0 0,0 0 0 0 0,0 0 0 0 0,0 1 0 0 0,0-1 0 0 0,0 0 0 0 0,-1 0 1 0 0,1 0-1 0 0,0 0 0 0 0,0 0 0 0 0,0 0 0 0 0,0 1 0 0 0,0-1 0 0 0,0 0 1 0 0,0 0-1 0 0,0 0 0 0 0,0 0 0 0 0,0 1 0 0 0,0-1 0 0 0,0 0 0 0 0,0 0 1 0 0,0 0-1 0 0,0 0 0 0 0,0 1 0 0 0,0-1 0 0 0,0 0 0 0 0,0 0 0 0 0,0 0 1 0 0,0 0-1 0 0,0 1 0 0 0,0-1 0 0 0,0 0 0 0 0,0 0 0 0 0,0 0 1 0 0,0 0-1 0 0,0 0 0 0 0,0 1 0 0 0,1-1 0 0 0,-1 0 0 0 0,0 0 0 0 0,5 8 353 0 0,-2-5-204 0 0,0-1-1 0 0,1 0 0 0 0,-1 0 0 0 0,1 0 0 0 0,-1-1 1 0 0,1 1-1 0 0,0-1 0 0 0,-1 0 0 0 0,6 1 0 0 0,37 5 1547 0 0,-40-6-1673 0 0,147 22 2751 0 0,-7-1-1458 0 0,-102-17-965 0 0,1-1 0 0 0,51-3 0 0 0,228-14 2737 0 0,-318 13-3182 0 0,1 0-1 0 0,-1-1 1 0 0,1 1 0 0 0,-1-1-1 0 0,0 0 1 0 0,1-1 0 0 0,6-2-1 0 0,-11 3 102 0 0,2-1-30 0 0,-3 1 221 0 0</inkml:trace>
+</inkml:ink>
+</file>
+
+<file path=ppt/ink/ink4.xml><?xml version="1.0" encoding="utf-8"?>
+<inkml:ink xmlns:inkml="http://www.w3.org/2003/InkML">
+  <inkml:definitions>
+    <inkml:context xml:id="ctx0">
+      <inkml:inkSource xml:id="inkSrc0">
+        <inkml:traceFormat>
+          <inkml:channel name="X" type="integer" min="-2.14748E9" max="2.14748E9" units="cm"/>
+          <inkml:channel name="Y" type="integer" min="-2.14748E9" max="2.14748E9" units="cm"/>
+          <inkml:channel name="F" type="integer" max="32767" units="dev"/>
+          <inkml:channel name="OA" type="integer" max="360" units="deg"/>
+          <inkml:channel name="OE" type="integer" max="90" units="deg"/>
+        </inkml:traceFormat>
+        <inkml:channelProperties>
+          <inkml:channelProperty channel="X" name="resolution" value="1000" units="1/cm"/>
+          <inkml:channelProperty channel="Y" name="resolution" value="1000" units="1/cm"/>
+          <inkml:channelProperty channel="F" name="resolution" value="0" units="1/dev"/>
+          <inkml:channelProperty channel="OA" name="resolution" value="1000" units="1/deg"/>
+          <inkml:channelProperty channel="OE" name="resolution" value="1000" units="1/deg"/>
+        </inkml:channelProperties>
+      </inkml:inkSource>
+      <inkml:timestamp xml:id="ts0" timeString="2020-11-13T17:00:39.755"/>
+    </inkml:context>
+    <inkml:brush xml:id="br0">
+      <inkml:brushProperty name="width" value="0.05" units="cm"/>
+      <inkml:brushProperty name="height" value="0.05" units="cm"/>
+      <inkml:brushProperty name="color" value="#004F8B"/>
+    </inkml:brush>
+  </inkml:definitions>
+  <inkml:trace contextRef="#ctx0" brushRef="#br0">19 31 5984 0 0,'0'0'541'0'0,"-8"-1"130"0"0,-1-2 4399 0 0,8 3-4899 0 0,1-1-1 0 0,0 1 0 0 0,0 0 1 0 0,0-1-1 0 0,0 1 1 0 0,0 0-1 0 0,0-1 0 0 0,0 1 1 0 0,-1 0-1 0 0,1-1 0 0 0,0 1 1 0 0,0 0-1 0 0,0-1 1 0 0,0 1-1 0 0,0 0 0 0 0,1-1 1 0 0,-1 1-1 0 0,0 0 0 0 0,0-1 1 0 0,0 1-1 0 0,0 0 1 0 0,0-1-1 0 0,0 1 0 0 0,0 0 1 0 0,1-1-1 0 0,-1 1 0 0 0,0 0 1 0 0,0 0-1 0 0,0-1 1 0 0,1 1-1 0 0,-1 0 0 0 0,0 0 1 0 0,1-1-1 0 0,14-7 1257 0 0,18 1-970 0 0,-14 6-62 0 0,0 1-1 0 0,26 4 1 0 0,0 0-187 0 0,58 2 315 0 0,75 3 606 0 0,41-4-605 0 0,-112 3-96 0 0,42 1 919 0 0,240-1 867 0 0,-158 6-2211 0 0,-2 17 749 0 0,-1-12-280 0 0,0-21 238 0 0,-71 0-492 0 0,-1 0 155 0 0,-132 1-230 0 0,1-2-1 0 0,0-1 0 0 0,33-9 0 0 0,-29 6 392 0 0,52-6-1 0 0,-36 8-499 0 0,-23 2-36 0 0,35-1 1 0 0,-56 4-4 0 0,8-2-121 0 0,-8 2-559 0 0</inkml:trace>
+</inkml:ink>
+</file>
+
+<file path=ppt/ink/ink5.xml><?xml version="1.0" encoding="utf-8"?>
+<inkml:ink xmlns:inkml="http://www.w3.org/2003/InkML">
+  <inkml:definitions>
+    <inkml:context xml:id="ctx0">
+      <inkml:inkSource xml:id="inkSrc0">
+        <inkml:traceFormat>
+          <inkml:channel name="X" type="integer" min="-2.14748E9" max="2.14748E9" units="cm"/>
+          <inkml:channel name="Y" type="integer" min="-2.14748E9" max="2.14748E9" units="cm"/>
+          <inkml:channel name="F" type="integer" max="32767" units="dev"/>
+          <inkml:channel name="OA" type="integer" max="360" units="deg"/>
+          <inkml:channel name="OE" type="integer" max="90" units="deg"/>
+        </inkml:traceFormat>
+        <inkml:channelProperties>
+          <inkml:channelProperty channel="X" name="resolution" value="1000" units="1/cm"/>
+          <inkml:channelProperty channel="Y" name="resolution" value="1000" units="1/cm"/>
+          <inkml:channelProperty channel="F" name="resolution" value="0" units="1/dev"/>
+          <inkml:channelProperty channel="OA" name="resolution" value="1000" units="1/deg"/>
+          <inkml:channelProperty channel="OE" name="resolution" value="1000" units="1/deg"/>
+        </inkml:channelProperties>
+      </inkml:inkSource>
+      <inkml:timestamp xml:id="ts0" timeString="2020-11-13T17:00:47.061"/>
+    </inkml:context>
+    <inkml:brush xml:id="br0">
+      <inkml:brushProperty name="width" value="0.05" units="cm"/>
+      <inkml:brushProperty name="height" value="0.05" units="cm"/>
+      <inkml:brushProperty name="color" value="#004F8B"/>
+    </inkml:brush>
+  </inkml:definitions>
+  <inkml:trace contextRef="#ctx0" brushRef="#br0">0 212 8896 0 0,'0'0'6316'0'0,"9"1"-5264"0"0,50 11 1715 0 0,-21-7-2155 0 0,0-3 0 0 0,0-1 0 0 0,56-6 0 0 0,-29 1 311 0 0,456-38 221 0 0,-147 8 451 0 0,-188 18-903 0 0,41 4-2 0 0,-107 7-530 0 0,66-4-7 0 0,163-9 650 0 0,81-25 612 0 0,-334 29-1219 0 0,105-11-71 0 0,-153 21-152 0 0,0 3 1 0 0,57 5-1 0 0,84 8-462 0 0,-147-14-2820 0 0,-36 2 1779 0 0</inkml:trace>
+</inkml:ink>
+</file>
+
+<file path=ppt/ink/ink6.xml><?xml version="1.0" encoding="utf-8"?>
+<inkml:ink xmlns:inkml="http://www.w3.org/2003/InkML">
+  <inkml:definitions>
+    <inkml:context xml:id="ctx0">
+      <inkml:inkSource xml:id="inkSrc0">
+        <inkml:traceFormat>
+          <inkml:channel name="X" type="integer" min="-2.14748E9" max="2.14748E9" units="cm"/>
+          <inkml:channel name="Y" type="integer" min="-2.14748E9" max="2.14748E9" units="cm"/>
+          <inkml:channel name="F" type="integer" max="32767" units="dev"/>
+          <inkml:channel name="OA" type="integer" max="360" units="deg"/>
+          <inkml:channel name="OE" type="integer" max="90" units="deg"/>
+        </inkml:traceFormat>
+        <inkml:channelProperties>
+          <inkml:channelProperty channel="X" name="resolution" value="1000" units="1/cm"/>
+          <inkml:channelProperty channel="Y" name="resolution" value="1000" units="1/cm"/>
+          <inkml:channelProperty channel="F" name="resolution" value="0" units="1/dev"/>
+          <inkml:channelProperty channel="OA" name="resolution" value="1000" units="1/deg"/>
+          <inkml:channelProperty channel="OE" name="resolution" value="1000" units="1/deg"/>
+        </inkml:channelProperties>
+      </inkml:inkSource>
+      <inkml:timestamp xml:id="ts0" timeString="2020-11-13T17:00:48.109"/>
+    </inkml:context>
+    <inkml:brush xml:id="br0">
+      <inkml:brushProperty name="width" value="0.05" units="cm"/>
+      <inkml:brushProperty name="height" value="0.05" units="cm"/>
+      <inkml:brushProperty name="color" value="#004F8B"/>
+    </inkml:brush>
+  </inkml:definitions>
+  <inkml:trace contextRef="#ctx0" brushRef="#br0">57 16 5984 0 0,'0'0'273'0'0,"-4"0"91"0"0,-11-2-616 0 0,11 1 1575 0 0,0 1-1 0 0,0-1 1 0 0,0 0-1 0 0,0 0 0 0 0,0 0 1 0 0,0 0-1 0 0,-5-3 762 0 0,15 2-150 0 0,0 1 0 0 0,1 1 1 0 0,9-1-1 0 0,47 6-321 0 0,-12-1-722 0 0,-18-3-557 0 0,258 3 1180 0 0,-62-3-784 0 0,-85 0-437 0 0,101 4 77 0 0,-226-4-339 0 0,151 8 390 0 0,146-1 270 0 0,-279-9-607 0 0,95-8 163 0 0,-106 7-87 0 0,-10 2-3974 0 0</inkml:trace>
+</inkml:ink>
+</file>
+
+<file path=ppt/ink/ink7.xml><?xml version="1.0" encoding="utf-8"?>
+<inkml:ink xmlns:inkml="http://www.w3.org/2003/InkML">
+  <inkml:definitions>
+    <inkml:context xml:id="ctx0">
+      <inkml:inkSource xml:id="inkSrc0">
+        <inkml:traceFormat>
+          <inkml:channel name="X" type="integer" min="-2.14748E9" max="2.14748E9" units="cm"/>
+          <inkml:channel name="Y" type="integer" min="-2.14748E9" max="2.14748E9" units="cm"/>
+          <inkml:channel name="F" type="integer" max="32767" units="dev"/>
+          <inkml:channel name="OA" type="integer" max="360" units="deg"/>
+          <inkml:channel name="OE" type="integer" max="90" units="deg"/>
+        </inkml:traceFormat>
+        <inkml:channelProperties>
+          <inkml:channelProperty channel="X" name="resolution" value="1000" units="1/cm"/>
+          <inkml:channelProperty channel="Y" name="resolution" value="1000" units="1/cm"/>
+          <inkml:channelProperty channel="F" name="resolution" value="0" units="1/dev"/>
+          <inkml:channelProperty channel="OA" name="resolution" value="1000" units="1/deg"/>
+          <inkml:channelProperty channel="OE" name="resolution" value="1000" units="1/deg"/>
+        </inkml:channelProperties>
+      </inkml:inkSource>
+      <inkml:timestamp xml:id="ts0" timeString="2020-11-13T17:00:50.445"/>
+    </inkml:context>
+    <inkml:brush xml:id="br0">
+      <inkml:brushProperty name="width" value="0.05" units="cm"/>
+      <inkml:brushProperty name="height" value="0.05" units="cm"/>
+      <inkml:brushProperty name="color" value="#004F8B"/>
+    </inkml:brush>
+  </inkml:definitions>
+  <inkml:trace contextRef="#ctx0" brushRef="#br0">17 271 7368 0 0,'0'0'666'0'0,"-6"-5"-532"0"0,5 4 323 0 0,0 0 1 0 0,0 0 0 0 0,1 0-1 0 0,-1 0 1 0 0,0 0-1 0 0,0 0 1 0 0,1 0 0 0 0,-1 0-1 0 0,1-1 1 0 0,-1 1-1 0 0,1 0 1 0 0,-1 0 0 0 0,1-1-1 0 0,0 1 1 0 0,-1 0-1 0 0,1-1 1 0 0,0 1-1 0 0,0 0 1 0 0,0-1 0 0 0,0 1-1 0 0,0 0 1 0 0,1-3-1 0 0,-1-4 2160 0 0,12-7 200 0 0,-6 12-2694 0 0,-1 0-1 0 0,1 0 1 0 0,0 1 0 0 0,0 0 0 0 0,1 0 0 0 0,-1 0-1 0 0,0 1 1 0 0,1 0 0 0 0,9-1 0 0 0,9 2 735 0 0,30 3 1 0 0,0 0-315 0 0,4 0-523 0 0,-37-2 23 0 0,0 0 0 0 0,35-3 0 0 0,-45 0 65 0 0,-5 2-42 0 0,-1-1 0 0 0,0 1 0 0 0,1-1 0 0 0,-1-1 0 0 0,0 1 0 0 0,0-1 0 0 0,0 0 0 0 0,0-1 0 0 0,0 0 0 0 0,-1 0 0 0 0,9-5-1 0 0,-13 7-49 0 0,-1 0-1 0 0,1 1 1 0 0,-1-1-1 0 0,1 0 0 0 0,-1 0 1 0 0,0 0-1 0 0,1 0 1 0 0,-1 0-1 0 0,0 0 1 0 0,1 0-1 0 0,-1 0 0 0 0,0 0 1 0 0,0 0-1 0 0,0 0 1 0 0,0 0-1 0 0,0 0 0 0 0,0 0 1 0 0,0 0-1 0 0,0 0 1 0 0,-1 0-1 0 0,1 0 0 0 0,0 0 1 0 0,-1 0-1 0 0,1 0 1 0 0,0 0-1 0 0,-1 0 0 0 0,1 0 1 0 0,-1 0-1 0 0,-1-1 1 0 0,-1-3 49 0 0,0 0-1 0 0,0 0 1 0 0,-1 0 0 0 0,-5-5 0 0 0,-5-3-7 0 0,-1 0 0 0 0,-1 1 1 0 0,0 1-1 0 0,-1 0 0 0 0,0 1 1 0 0,0 1-1 0 0,-1 0 0 0 0,0 2 1 0 0,-34-10-1 0 0,36 16-59 0 0,16 1 0 0 0,0 0-1 0 0,0 0 1 0 0,-1 0-1 0 0,1 0 1 0 0,0 0-1 0 0,0 0 1 0 0,0 0-1 0 0,0 0 1 0 0,0 0-1 0 0,0 1 1 0 0,0-1 0 0 0,0 0-1 0 0,-1 0 1 0 0,1 0-1 0 0,0 0 1 0 0,0 0-1 0 0,0 0 1 0 0,0 0-1 0 0,0 0 1 0 0,0 0-1 0 0,0 0 1 0 0,0 0-1 0 0,0 1 1 0 0,0-1 0 0 0,0 0-1 0 0,0 0 1 0 0,0 0-1 0 0,0 0 1 0 0,0 0-1 0 0,0 0 1 0 0,0 0-1 0 0,0 1 1 0 0,0-1-1 0 0,0 0 1 0 0,0 0-1 0 0,0 0 1 0 0,0 0 0 0 0,0 0-1 0 0,0 0 1 0 0,0 0-1 0 0,0 1 1 0 0,0-1-1 0 0,0 0 1 0 0,0 0-1 0 0,0 0 1 0 0,0 0-1 0 0,0 0 1 0 0,0 0-1 0 0,0 0 1 0 0,0 0 0 0 0,0 0-1 0 0,0 1 1 0 0,0-1-1 0 0,0 0 1 0 0,1 0-1 0 0,-1 0 1 0 0,0 0-1 0 0,0 0 1 0 0,0 0-1 0 0,0 0 1 0 0,0 0 0 0 0,0 0-1 0 0,0 0 1 0 0,0 0-1 0 0,1 0 1 0 0,6 7-86 0 0,-6-6 62 0 0,4 3 6 0 0,0 0 0 0 0,1 0-1 0 0,-1 0 1 0 0,1 0 0 0 0,0-1 0 0 0,1 0-1 0 0,-1 0 1 0 0,0-1 0 0 0,1 0 0 0 0,-1 0 0 0 0,11 1-1 0 0,6 0 102 0 0,0-1 0 0 0,25-1 0 0 0,13 0-320 0 0,-59-1 250 0 0,6 0 82 0 0,-1 1 0 0 0,0 0 0 0 0,1 0 0 0 0,-1 1 0 0 0,12 4 0 0 0,-17-5-82 0 0,-1-1 0 0 0,1 1 0 0 0,-1 0 1 0 0,0-1-1 0 0,0 1 0 0 0,1 0 0 0 0,-1 0 0 0 0,0 0 0 0 0,0 0 0 0 0,0 1 1 0 0,0-1-1 0 0,0 0 0 0 0,0 0 0 0 0,0 0 0 0 0,-1 1 0 0 0,1-1 0 0 0,0 1 1 0 0,-1-1-1 0 0,1 0 0 0 0,-1 1 0 0 0,1-1 0 0 0,-1 1 0 0 0,0-1 0 0 0,0 1 1 0 0,1-1-1 0 0,-1 1 0 0 0,0-1 0 0 0,0 1 0 0 0,-1 0 0 0 0,1-1 0 0 0,0 1 1 0 0,0-1-1 0 0,-1 0 0 0 0,0 4 0 0 0,-3 6 54 0 0,0 0-1 0 0,-1-1 1 0 0,0 1-1 0 0,-10 15 1 0 0,-30 36 97 0 0,34-48-128 0 0,-13 15-399 0 0,-2-1-1 0 0,0-1 0 0 0,-2-1 0 0 0,-40 28 1 0 0,62-49-272 0 0</inkml:trace>
+</inkml:ink>
+</file>
+
+<file path=ppt/ink/ink8.xml><?xml version="1.0" encoding="utf-8"?>
+<inkml:ink xmlns:inkml="http://www.w3.org/2003/InkML">
+  <inkml:definitions>
+    <inkml:context xml:id="ctx0">
+      <inkml:inkSource xml:id="inkSrc0">
+        <inkml:traceFormat>
+          <inkml:channel name="X" type="integer" min="-2.14748E9" max="2.14748E9" units="cm"/>
+          <inkml:channel name="Y" type="integer" min="-2.14748E9" max="2.14748E9" units="cm"/>
+          <inkml:channel name="F" type="integer" max="32767" units="dev"/>
+          <inkml:channel name="OA" type="integer" max="360" units="deg"/>
+          <inkml:channel name="OE" type="integer" max="90" units="deg"/>
+        </inkml:traceFormat>
+        <inkml:channelProperties>
+          <inkml:channelProperty channel="X" name="resolution" value="1000" units="1/cm"/>
+          <inkml:channelProperty channel="Y" name="resolution" value="1000" units="1/cm"/>
+          <inkml:channelProperty channel="F" name="resolution" value="0" units="1/dev"/>
+          <inkml:channelProperty channel="OA" name="resolution" value="1000" units="1/deg"/>
+          <inkml:channelProperty channel="OE" name="resolution" value="1000" units="1/deg"/>
+        </inkml:channelProperties>
+      </inkml:inkSource>
+      <inkml:timestamp xml:id="ts0" timeString="2020-11-13T17:00:51.125"/>
+    </inkml:context>
+    <inkml:brush xml:id="br0">
+      <inkml:brushProperty name="width" value="0.05" units="cm"/>
+      <inkml:brushProperty name="height" value="0.05" units="cm"/>
+      <inkml:brushProperty name="color" value="#004F8B"/>
+    </inkml:brush>
+  </inkml:definitions>
+  <inkml:trace contextRef="#ctx0" brushRef="#br0">58 223 1840 0 0,'2'-2'1101'0'0,"1"-1"1"0"0,-1 1 0 0 0,0 0-1 0 0,0-1 1 0 0,0 1-1 0 0,1-4 1 0 0,-2 4-18 0 0,1-1 1 0 0,-1 1-1 0 0,1 0 0 0 0,0 0 1 0 0,-1 0-1 0 0,1 0 1 0 0,0 0-1 0 0,4-3 0 0 0,-5 5-960 0 0,-1 0 0 0 0,1-1-1 0 0,-1 1 1 0 0,1 0-1 0 0,-1 0 1 0 0,1 0-1 0 0,-1 0 1 0 0,1 0-1 0 0,-1 0 1 0 0,1 0 0 0 0,-1 0-1 0 0,1 0 1 0 0,-1 0-1 0 0,1 0 1 0 0,-1 0-1 0 0,1 0 1 0 0,-1 0-1 0 0,1 1 1 0 0,-1-1 0 0 0,1 0-1 0 0,0 1 1 0 0,0 0-138 0 0,0 0 1 0 0,1 0 0 0 0,-1 0 0 0 0,0 0 0 0 0,0 0-1 0 0,0 1 1 0 0,0-1 0 0 0,0 1 0 0 0,1 1 0 0 0,2 4 85 0 0,-1 1 0 0 0,1-1 1 0 0,-2 1-1 0 0,1-1 1 0 0,-1 1-1 0 0,0 0 0 0 0,-1 0 1 0 0,0 0-1 0 0,0 0 0 0 0,-1 8 1 0 0,-1 12 283 0 0,-7 43 1 0 0,3-30-192 0 0,1-19 382 0 0,-1 0-1 0 0,-7 23 0 0 0,2-10-205 0 0,5-21-197 0 0,0 0 1 0 0,-1-1-1 0 0,0 0 0 0 0,-9 14 1 0 0,14-26-88 0 0,1 0 0 0 0,-1 1 0 0 0,0-1 1 0 0,0 0-1 0 0,0 1 0 0 0,0-1 1 0 0,0 0-1 0 0,-1 0 0 0 0,1 0 0 0 0,0 0 1 0 0,0 0-1 0 0,-2 0 0 0 0,2 0-27 0 0,1-1-1 0 0,-1 0 0 0 0,0 0 1 0 0,0 1-1 0 0,0-1 1 0 0,1 0-1 0 0,-1 0 0 0 0,0 0 1 0 0,0 0-1 0 0,1 0 1 0 0,-1 0-1 0 0,0 0 0 0 0,0 0 1 0 0,1 0-1 0 0,-1-1 0 0 0,0 1 1 0 0,0 0-1 0 0,0-1 1 0 0,-1 0-2 0 0,1 0 0 0 0,-1 0 0 0 0,1 0 0 0 0,-1 0 1 0 0,1-1-1 0 0,0 1 0 0 0,-1 0 0 0 0,1-1 0 0 0,0 1 0 0 0,0-1 1 0 0,0 0-1 0 0,0 1 0 0 0,1-1 0 0 0,-1 0 0 0 0,0 1 1 0 0,1-1-1 0 0,-1 0 0 0 0,0-3 0 0 0,-2-19 42 0 0,0-1 1 0 0,2 1-1 0 0,1-1 0 0 0,1 1 0 0 0,1-1 0 0 0,1 1 1 0 0,1 0-1 0 0,13-41 0 0 0,-7 27-69 0 0,-7 22 1 0 0,2 0 0 0 0,0 1 0 0 0,0-1 0 0 0,9-15 0 0 0,6-4 93 0 0,27-35 0 0 0,-35 54 6 0 0,1 0-1 0 0,0 2 1 0 0,1-1 0 0 0,20-14-1 0 0,-29 25-83 0 0,1 0-1 0 0,-1 1 0 0 0,1 0 1 0 0,0 0-1 0 0,0 0 1 0 0,0 1-1 0 0,1 0 1 0 0,-1 0-1 0 0,0 1 0 0 0,1-1 1 0 0,-1 1-1 0 0,1 1 1 0 0,7-1-1 0 0,-10 1-6 0 0,-1 0-1 0 0,1 1 1 0 0,-1-1 0 0 0,1 1-1 0 0,0 0 1 0 0,-1 0 0 0 0,0 0-1 0 0,1 0 1 0 0,-1 0-1 0 0,0 1 1 0 0,1-1 0 0 0,-1 1-1 0 0,0 0 1 0 0,0 0-1 0 0,-1 0 1 0 0,1 1 0 0 0,0-1-1 0 0,-1 0 1 0 0,1 1-1 0 0,-1 0 1 0 0,0 0 0 0 0,0 0-1 0 0,0 0 1 0 0,0 0-1 0 0,2 4 1 0 0,-2-1 28 0 0,0 0 0 0 0,0 1-1 0 0,-1-1 1 0 0,0 1 0 0 0,0-1-1 0 0,-1 0 1 0 0,1 1 0 0 0,-2-1 0 0 0,1 1-1 0 0,0-1 1 0 0,-1 1 0 0 0,0-1-1 0 0,-1 1 1 0 0,0-1 0 0 0,0 0 0 0 0,-3 8-1 0 0,2-7 5 0 0,-1 0-1 0 0,1-1 0 0 0,-1 1 1 0 0,0-1-1 0 0,-1 0 0 0 0,1 0 1 0 0,-1-1-1 0 0,0 1 0 0 0,-1-1 1 0 0,0 0-1 0 0,1 0 0 0 0,-1-1 1 0 0,-1 0-1 0 0,-7 4 0 0 0,9-6-128 0 0,-1 0 0 0 0,0-1 0 0 0,0 0 0 0 0,0 0 0 0 0,0 0 0 0 0,0-1 0 0 0,0 0 0 0 0,0 0-1 0 0,0 0 1 0 0,0-1 0 0 0,0 0 0 0 0,1 0 0 0 0,-1 0 0 0 0,0-1 0 0 0,0 0 0 0 0,1 0 0 0 0,-7-4-1 0 0,-5-8-3593 0 0,14 9 1557 0 0</inkml:trace>
+</inkml:ink>
+</file>
+
+<file path=ppt/ink/ink9.xml><?xml version="1.0" encoding="utf-8"?>
+<inkml:ink xmlns:inkml="http://www.w3.org/2003/InkML">
+  <inkml:definitions>
+    <inkml:context xml:id="ctx0">
+      <inkml:inkSource xml:id="inkSrc0">
+        <inkml:traceFormat>
+          <inkml:channel name="X" type="integer" min="-2.14748E9" max="2.14748E9" units="cm"/>
+          <inkml:channel name="Y" type="integer" min="-2.14748E9" max="2.14748E9" units="cm"/>
+          <inkml:channel name="F" type="integer" max="32767" units="dev"/>
+          <inkml:channel name="OA" type="integer" max="360" units="deg"/>
+          <inkml:channel name="OE" type="integer" max="90" units="deg"/>
+        </inkml:traceFormat>
+        <inkml:channelProperties>
+          <inkml:channelProperty channel="X" name="resolution" value="1000" units="1/cm"/>
+          <inkml:channelProperty channel="Y" name="resolution" value="1000" units="1/cm"/>
+          <inkml:channelProperty channel="F" name="resolution" value="0" units="1/dev"/>
+          <inkml:channelProperty channel="OA" name="resolution" value="1000" units="1/deg"/>
+          <inkml:channelProperty channel="OE" name="resolution" value="1000" units="1/deg"/>
+        </inkml:channelProperties>
+      </inkml:inkSource>
+      <inkml:timestamp xml:id="ts0" timeString="2020-11-13T17:00:51.477"/>
+    </inkml:context>
+    <inkml:brush xml:id="br0">
+      <inkml:brushProperty name="width" value="0.05" units="cm"/>
+      <inkml:brushProperty name="height" value="0.05" units="cm"/>
+      <inkml:brushProperty name="color" value="#004F8B"/>
+    </inkml:brush>
+  </inkml:definitions>
+  <inkml:trace contextRef="#ctx0" brushRef="#br0">0 33 3680 0 0,'0'0'284'0'0,"9"-15"2185"0"0,-9 14-1849 0 0,1 0-1 0 0,0 0 1 0 0,-1 0-1 0 0,1 0 1 0 0,0-1-1 0 0,0 1 1 0 0,-1 0-1 0 0,1 0 1 0 0,0 0 0 0 0,0 0-1 0 0,0 1 1 0 0,0-1-1 0 0,2-1 1 0 0,-2 2-455 0 0,-1-1 0 0 0,1 1 0 0 0,-1 0 0 0 0,0 0 0 0 0,1-1 1 0 0,-1 1-1 0 0,1 0 0 0 0,-1 0 0 0 0,1 0 0 0 0,-1 0 0 0 0,1-1 0 0 0,-1 1 1 0 0,1 0-1 0 0,-1 0 0 0 0,1 0 0 0 0,-1 0 0 0 0,1 0 0 0 0,-1 0 0 0 0,1 1 1 0 0,-1-1-1 0 0,1 0 0 0 0,-1 0 0 0 0,1 0 0 0 0,-1 0 0 0 0,1 0 0 0 0,-1 1 0 0 0,1-1 1 0 0,-1 0-1 0 0,0 0 0 0 0,1 1 0 0 0,-1-1 0 0 0,1 0 0 0 0,-1 1 0 0 0,0-1 1 0 0,1 1-1 0 0,-1-1 0 0 0,1 1 0 0 0,1 3 214 0 0,0 0 0 0 0,-1 0 0 0 0,1 1 0 0 0,-1-1 0 0 0,0 1 0 0 0,0-1 0 0 0,0 1 0 0 0,0-1 0 0 0,-1 1 0 0 0,0 6 0 0 0,-1 7 284 0 0,-4 24 0 0 0,2-17-331 0 0,-4 15-517 0 0,-22 72 1 0 0,28-109 83 0 0,-1 4-967 0 0</inkml:trace>
+</inkml:ink>
 </file>
 
 <file path=ppt/notesMasters/notesMaster1.xml><?xml version="1.0" encoding="utf-8"?>
@@ -836,7 +1476,7 @@
           <a:p>
             <a:fld id="{3A2BF66F-FEB0-48C1-A8B9-A73F54BB1A08}" type="datetimeFigureOut">
               <a:rPr lang="en-US" smtClean="0"/>
-              <a:t>11/11/2020</a:t>
+              <a:t>11/13/2020</a:t>
             </a:fld>
             <a:endParaRPr lang="en-US"/>
           </a:p>
@@ -1036,7 +1676,7 @@
           <a:p>
             <a:fld id="{3A2BF66F-FEB0-48C1-A8B9-A73F54BB1A08}" type="datetimeFigureOut">
               <a:rPr lang="en-US" smtClean="0"/>
-              <a:t>11/11/2020</a:t>
+              <a:t>11/13/2020</a:t>
             </a:fld>
             <a:endParaRPr lang="en-US"/>
           </a:p>
@@ -1246,7 +1886,7 @@
           <a:p>
             <a:fld id="{3A2BF66F-FEB0-48C1-A8B9-A73F54BB1A08}" type="datetimeFigureOut">
               <a:rPr lang="en-US" smtClean="0"/>
-              <a:t>11/11/2020</a:t>
+              <a:t>11/13/2020</a:t>
             </a:fld>
             <a:endParaRPr lang="en-US"/>
           </a:p>
@@ -1446,7 +2086,7 @@
           <a:p>
             <a:fld id="{3A2BF66F-FEB0-48C1-A8B9-A73F54BB1A08}" type="datetimeFigureOut">
               <a:rPr lang="en-US" smtClean="0"/>
-              <a:t>11/11/2020</a:t>
+              <a:t>11/13/2020</a:t>
             </a:fld>
             <a:endParaRPr lang="en-US"/>
           </a:p>
@@ -1723,7 +2363,7 @@
           <a:p>
             <a:fld id="{3A2BF66F-FEB0-48C1-A8B9-A73F54BB1A08}" type="datetimeFigureOut">
               <a:rPr lang="en-US" smtClean="0"/>
-              <a:t>11/11/2020</a:t>
+              <a:t>11/13/2020</a:t>
             </a:fld>
             <a:endParaRPr lang="en-US"/>
           </a:p>
@@ -1990,7 +2630,7 @@
           <a:p>
             <a:fld id="{3A2BF66F-FEB0-48C1-A8B9-A73F54BB1A08}" type="datetimeFigureOut">
               <a:rPr lang="en-US" smtClean="0"/>
-              <a:t>11/11/2020</a:t>
+              <a:t>11/13/2020</a:t>
             </a:fld>
             <a:endParaRPr lang="en-US"/>
           </a:p>
@@ -2404,7 +3044,7 @@
           <a:p>
             <a:fld id="{3A2BF66F-FEB0-48C1-A8B9-A73F54BB1A08}" type="datetimeFigureOut">
               <a:rPr lang="en-US" smtClean="0"/>
-              <a:t>11/11/2020</a:t>
+              <a:t>11/13/2020</a:t>
             </a:fld>
             <a:endParaRPr lang="en-US"/>
           </a:p>
@@ -2547,7 +3187,7 @@
           <a:p>
             <a:fld id="{3A2BF66F-FEB0-48C1-A8B9-A73F54BB1A08}" type="datetimeFigureOut">
               <a:rPr lang="en-US" smtClean="0"/>
-              <a:t>11/11/2020</a:t>
+              <a:t>11/13/2020</a:t>
             </a:fld>
             <a:endParaRPr lang="en-US"/>
           </a:p>
@@ -2662,7 +3302,7 @@
           <a:p>
             <a:fld id="{3A2BF66F-FEB0-48C1-A8B9-A73F54BB1A08}" type="datetimeFigureOut">
               <a:rPr lang="en-US" smtClean="0"/>
-              <a:t>11/11/2020</a:t>
+              <a:t>11/13/2020</a:t>
             </a:fld>
             <a:endParaRPr lang="en-US"/>
           </a:p>
@@ -2974,7 +3614,7 @@
           <a:p>
             <a:fld id="{3A2BF66F-FEB0-48C1-A8B9-A73F54BB1A08}" type="datetimeFigureOut">
               <a:rPr lang="en-US" smtClean="0"/>
-              <a:t>11/11/2020</a:t>
+              <a:t>11/13/2020</a:t>
             </a:fld>
             <a:endParaRPr lang="en-US"/>
           </a:p>
@@ -3264,7 +3904,7 @@
           <a:p>
             <a:fld id="{3A2BF66F-FEB0-48C1-A8B9-A73F54BB1A08}" type="datetimeFigureOut">
               <a:rPr lang="en-US" smtClean="0"/>
-              <a:t>11/11/2020</a:t>
+              <a:t>11/13/2020</a:t>
             </a:fld>
             <a:endParaRPr lang="en-US"/>
           </a:p>
@@ -3507,7 +4147,7 @@
           <a:p>
             <a:fld id="{3A2BF66F-FEB0-48C1-A8B9-A73F54BB1A08}" type="datetimeFigureOut">
               <a:rPr lang="en-US" smtClean="0"/>
-              <a:t>11/11/2020</a:t>
+              <a:t>11/13/2020</a:t>
             </a:fld>
             <a:endParaRPr lang="en-US"/>
           </a:p>
@@ -4214,6 +4854,1089 @@
           </a:p>
         </p:txBody>
       </p:sp>
+      <mc:AlternateContent xmlns:mc="http://schemas.openxmlformats.org/markup-compatibility/2006">
+        <mc:Choice xmlns:p14="http://schemas.microsoft.com/office/powerpoint/2010/main" Requires="p14">
+          <p:contentPart p14:bwMode="auto" r:id="rId2">
+            <p14:nvContentPartPr>
+              <p14:cNvPr id="4" name="Ink 3">
+                <a:extLst>
+                  <a:ext uri="{FF2B5EF4-FFF2-40B4-BE49-F238E27FC236}">
+                    <a16:creationId xmlns:a16="http://schemas.microsoft.com/office/drawing/2014/main" id="{7F6FF292-7891-436E-947F-0B3B64660915}"/>
+                  </a:ext>
+                </a:extLst>
+              </p14:cNvPr>
+              <p14:cNvContentPartPr/>
+              <p14:nvPr/>
+            </p14:nvContentPartPr>
+            <p14:xfrm>
+              <a:off x="2232649" y="1711339"/>
+              <a:ext cx="828720" cy="68760"/>
+            </p14:xfrm>
+          </p:contentPart>
+        </mc:Choice>
+        <mc:Fallback>
+          <p:pic>
+            <p:nvPicPr>
+              <p:cNvPr id="4" name="Ink 3">
+                <a:extLst>
+                  <a:ext uri="{FF2B5EF4-FFF2-40B4-BE49-F238E27FC236}">
+                    <a16:creationId xmlns:a16="http://schemas.microsoft.com/office/drawing/2014/main" id="{7F6FF292-7891-436E-947F-0B3B64660915}"/>
+                  </a:ext>
+                </a:extLst>
+              </p:cNvPr>
+              <p:cNvPicPr/>
+              <p:nvPr/>
+            </p:nvPicPr>
+            <p:blipFill>
+              <a:blip r:embed="rId3"/>
+              <a:stretch>
+                <a:fillRect/>
+              </a:stretch>
+            </p:blipFill>
+            <p:spPr>
+              <a:xfrm>
+                <a:off x="2224009" y="1702699"/>
+                <a:ext cx="846360" cy="86400"/>
+              </a:xfrm>
+              <a:prstGeom prst="rect">
+                <a:avLst/>
+              </a:prstGeom>
+            </p:spPr>
+          </p:pic>
+        </mc:Fallback>
+      </mc:AlternateContent>
+      <mc:AlternateContent xmlns:mc="http://schemas.openxmlformats.org/markup-compatibility/2006">
+        <mc:Choice xmlns:p14="http://schemas.microsoft.com/office/powerpoint/2010/main" Requires="p14">
+          <p:contentPart p14:bwMode="auto" r:id="rId4">
+            <p14:nvContentPartPr>
+              <p14:cNvPr id="5" name="Ink 4">
+                <a:extLst>
+                  <a:ext uri="{FF2B5EF4-FFF2-40B4-BE49-F238E27FC236}">
+                    <a16:creationId xmlns:a16="http://schemas.microsoft.com/office/drawing/2014/main" id="{02640971-DA70-491F-A7C7-D46AE0738484}"/>
+                  </a:ext>
+                </a:extLst>
+              </p14:cNvPr>
+              <p14:cNvContentPartPr/>
+              <p14:nvPr/>
+            </p14:nvContentPartPr>
+            <p14:xfrm>
+              <a:off x="1903969" y="2065939"/>
+              <a:ext cx="1108440" cy="54360"/>
+            </p14:xfrm>
+          </p:contentPart>
+        </mc:Choice>
+        <mc:Fallback>
+          <p:pic>
+            <p:nvPicPr>
+              <p:cNvPr id="5" name="Ink 4">
+                <a:extLst>
+                  <a:ext uri="{FF2B5EF4-FFF2-40B4-BE49-F238E27FC236}">
+                    <a16:creationId xmlns:a16="http://schemas.microsoft.com/office/drawing/2014/main" id="{02640971-DA70-491F-A7C7-D46AE0738484}"/>
+                  </a:ext>
+                </a:extLst>
+              </p:cNvPr>
+              <p:cNvPicPr/>
+              <p:nvPr/>
+            </p:nvPicPr>
+            <p:blipFill>
+              <a:blip r:embed="rId5"/>
+              <a:stretch>
+                <a:fillRect/>
+              </a:stretch>
+            </p:blipFill>
+            <p:spPr>
+              <a:xfrm>
+                <a:off x="1895329" y="2056939"/>
+                <a:ext cx="1126080" cy="72000"/>
+              </a:xfrm>
+              <a:prstGeom prst="rect">
+                <a:avLst/>
+              </a:prstGeom>
+            </p:spPr>
+          </p:pic>
+        </mc:Fallback>
+      </mc:AlternateContent>
+      <p:grpSp>
+        <p:nvGrpSpPr>
+          <p:cNvPr id="8" name="Group 7">
+            <a:extLst>
+              <a:ext uri="{FF2B5EF4-FFF2-40B4-BE49-F238E27FC236}">
+                <a16:creationId xmlns:a16="http://schemas.microsoft.com/office/drawing/2014/main" id="{74B45F05-44DF-4E72-B74E-E6DFF0CE5BAA}"/>
+              </a:ext>
+            </a:extLst>
+          </p:cNvPr>
+          <p:cNvGrpSpPr/>
+          <p:nvPr/>
+        </p:nvGrpSpPr>
+        <p:grpSpPr>
+          <a:xfrm>
+            <a:off x="877969" y="2454019"/>
+            <a:ext cx="2073960" cy="81000"/>
+            <a:chOff x="877969" y="2454019"/>
+            <a:chExt cx="2073960" cy="81000"/>
+          </a:xfrm>
+        </p:grpSpPr>
+        <mc:AlternateContent xmlns:mc="http://schemas.openxmlformats.org/markup-compatibility/2006">
+          <mc:Choice xmlns:p14="http://schemas.microsoft.com/office/powerpoint/2010/main" Requires="p14">
+            <p:contentPart p14:bwMode="auto" r:id="rId6">
+              <p14:nvContentPartPr>
+                <p14:cNvPr id="6" name="Ink 5">
+                  <a:extLst>
+                    <a:ext uri="{FF2B5EF4-FFF2-40B4-BE49-F238E27FC236}">
+                      <a16:creationId xmlns:a16="http://schemas.microsoft.com/office/drawing/2014/main" id="{E63CC48E-DB3B-4A40-8416-A417B480AEB8}"/>
+                    </a:ext>
+                  </a:extLst>
+                </p14:cNvPr>
+                <p14:cNvContentPartPr/>
+                <p14:nvPr/>
+              </p14:nvContentPartPr>
+              <p14:xfrm>
+                <a:off x="877969" y="2454019"/>
+                <a:ext cx="350280" cy="44640"/>
+              </p14:xfrm>
+            </p:contentPart>
+          </mc:Choice>
+          <mc:Fallback>
+            <p:pic>
+              <p:nvPicPr>
+                <p:cNvPr id="6" name="Ink 5">
+                  <a:extLst>
+                    <a:ext uri="{FF2B5EF4-FFF2-40B4-BE49-F238E27FC236}">
+                      <a16:creationId xmlns:a16="http://schemas.microsoft.com/office/drawing/2014/main" id="{E63CC48E-DB3B-4A40-8416-A417B480AEB8}"/>
+                    </a:ext>
+                  </a:extLst>
+                </p:cNvPr>
+                <p:cNvPicPr/>
+                <p:nvPr/>
+              </p:nvPicPr>
+              <p:blipFill>
+                <a:blip r:embed="rId7"/>
+                <a:stretch>
+                  <a:fillRect/>
+                </a:stretch>
+              </p:blipFill>
+              <p:spPr>
+                <a:xfrm>
+                  <a:off x="869329" y="2445019"/>
+                  <a:ext cx="367920" cy="62280"/>
+                </a:xfrm>
+                <a:prstGeom prst="rect">
+                  <a:avLst/>
+                </a:prstGeom>
+              </p:spPr>
+            </p:pic>
+          </mc:Fallback>
+        </mc:AlternateContent>
+        <mc:AlternateContent xmlns:mc="http://schemas.openxmlformats.org/markup-compatibility/2006">
+          <mc:Choice xmlns:p14="http://schemas.microsoft.com/office/powerpoint/2010/main" Requires="p14">
+            <p:contentPart p14:bwMode="auto" r:id="rId8">
+              <p14:nvContentPartPr>
+                <p14:cNvPr id="7" name="Ink 6">
+                  <a:extLst>
+                    <a:ext uri="{FF2B5EF4-FFF2-40B4-BE49-F238E27FC236}">
+                      <a16:creationId xmlns:a16="http://schemas.microsoft.com/office/drawing/2014/main" id="{CFD92B20-FDE3-43FB-87AE-D90FF15B4CEA}"/>
+                    </a:ext>
+                  </a:extLst>
+                </p14:cNvPr>
+                <p14:cNvContentPartPr/>
+                <p14:nvPr/>
+              </p14:nvContentPartPr>
+              <p14:xfrm>
+                <a:off x="1896409" y="2492899"/>
+                <a:ext cx="1055520" cy="42120"/>
+              </p14:xfrm>
+            </p:contentPart>
+          </mc:Choice>
+          <mc:Fallback>
+            <p:pic>
+              <p:nvPicPr>
+                <p:cNvPr id="7" name="Ink 6">
+                  <a:extLst>
+                    <a:ext uri="{FF2B5EF4-FFF2-40B4-BE49-F238E27FC236}">
+                      <a16:creationId xmlns:a16="http://schemas.microsoft.com/office/drawing/2014/main" id="{CFD92B20-FDE3-43FB-87AE-D90FF15B4CEA}"/>
+                    </a:ext>
+                  </a:extLst>
+                </p:cNvPr>
+                <p:cNvPicPr/>
+                <p:nvPr/>
+              </p:nvPicPr>
+              <p:blipFill>
+                <a:blip r:embed="rId9"/>
+                <a:stretch>
+                  <a:fillRect/>
+                </a:stretch>
+              </p:blipFill>
+              <p:spPr>
+                <a:xfrm>
+                  <a:off x="1887409" y="2483899"/>
+                  <a:ext cx="1073160" cy="59760"/>
+                </a:xfrm>
+                <a:prstGeom prst="rect">
+                  <a:avLst/>
+                </a:prstGeom>
+              </p:spPr>
+            </p:pic>
+          </mc:Fallback>
+        </mc:AlternateContent>
+      </p:grpSp>
+      <mc:AlternateContent xmlns:mc="http://schemas.openxmlformats.org/markup-compatibility/2006">
+        <mc:Choice xmlns:p14="http://schemas.microsoft.com/office/powerpoint/2010/main" Requires="p14">
+          <p:contentPart p14:bwMode="auto" r:id="rId10">
+            <p14:nvContentPartPr>
+              <p14:cNvPr id="9" name="Ink 8">
+                <a:extLst>
+                  <a:ext uri="{FF2B5EF4-FFF2-40B4-BE49-F238E27FC236}">
+                    <a16:creationId xmlns:a16="http://schemas.microsoft.com/office/drawing/2014/main" id="{DE7D993D-B8AF-46CA-97DC-B4DC6F36BBAD}"/>
+                  </a:ext>
+                </a:extLst>
+              </p14:cNvPr>
+              <p14:cNvContentPartPr/>
+              <p14:nvPr/>
+            </p14:nvContentPartPr>
+            <p14:xfrm>
+              <a:off x="2366569" y="2826619"/>
+              <a:ext cx="1249200" cy="83880"/>
+            </p14:xfrm>
+          </p:contentPart>
+        </mc:Choice>
+        <mc:Fallback>
+          <p:pic>
+            <p:nvPicPr>
+              <p:cNvPr id="9" name="Ink 8">
+                <a:extLst>
+                  <a:ext uri="{FF2B5EF4-FFF2-40B4-BE49-F238E27FC236}">
+                    <a16:creationId xmlns:a16="http://schemas.microsoft.com/office/drawing/2014/main" id="{DE7D993D-B8AF-46CA-97DC-B4DC6F36BBAD}"/>
+                  </a:ext>
+                </a:extLst>
+              </p:cNvPr>
+              <p:cNvPicPr/>
+              <p:nvPr/>
+            </p:nvPicPr>
+            <p:blipFill>
+              <a:blip r:embed="rId11"/>
+              <a:stretch>
+                <a:fillRect/>
+              </a:stretch>
+            </p:blipFill>
+            <p:spPr>
+              <a:xfrm>
+                <a:off x="2357569" y="2817979"/>
+                <a:ext cx="1266840" cy="101520"/>
+              </a:xfrm>
+              <a:prstGeom prst="rect">
+                <a:avLst/>
+              </a:prstGeom>
+            </p:spPr>
+          </p:pic>
+        </mc:Fallback>
+      </mc:AlternateContent>
+      <p:grpSp>
+        <p:nvGrpSpPr>
+          <p:cNvPr id="19" name="Group 18">
+            <a:extLst>
+              <a:ext uri="{FF2B5EF4-FFF2-40B4-BE49-F238E27FC236}">
+                <a16:creationId xmlns:a16="http://schemas.microsoft.com/office/drawing/2014/main" id="{D326807A-24CC-4553-A11B-A877F6FB0070}"/>
+              </a:ext>
+            </a:extLst>
+          </p:cNvPr>
+          <p:cNvGrpSpPr/>
+          <p:nvPr/>
+        </p:nvGrpSpPr>
+        <p:grpSpPr>
+          <a:xfrm>
+            <a:off x="4711609" y="2452579"/>
+            <a:ext cx="2105280" cy="448200"/>
+            <a:chOff x="4711609" y="2452579"/>
+            <a:chExt cx="2105280" cy="448200"/>
+          </a:xfrm>
+        </p:grpSpPr>
+        <mc:AlternateContent xmlns:mc="http://schemas.openxmlformats.org/markup-compatibility/2006">
+          <mc:Choice xmlns:p14="http://schemas.microsoft.com/office/powerpoint/2010/main" Requires="p14">
+            <p:contentPart p14:bwMode="auto" r:id="rId12">
+              <p14:nvContentPartPr>
+                <p14:cNvPr id="10" name="Ink 9">
+                  <a:extLst>
+                    <a:ext uri="{FF2B5EF4-FFF2-40B4-BE49-F238E27FC236}">
+                      <a16:creationId xmlns:a16="http://schemas.microsoft.com/office/drawing/2014/main" id="{8A52CCAF-4665-408F-9A78-3EB43736125C}"/>
+                    </a:ext>
+                  </a:extLst>
+                </p14:cNvPr>
+                <p14:cNvContentPartPr/>
+                <p14:nvPr/>
+              </p14:nvContentPartPr>
+              <p14:xfrm>
+                <a:off x="4711609" y="2886379"/>
+                <a:ext cx="651240" cy="14400"/>
+              </p14:xfrm>
+            </p:contentPart>
+          </mc:Choice>
+          <mc:Fallback>
+            <p:pic>
+              <p:nvPicPr>
+                <p:cNvPr id="10" name="Ink 9">
+                  <a:extLst>
+                    <a:ext uri="{FF2B5EF4-FFF2-40B4-BE49-F238E27FC236}">
+                      <a16:creationId xmlns:a16="http://schemas.microsoft.com/office/drawing/2014/main" id="{8A52CCAF-4665-408F-9A78-3EB43736125C}"/>
+                    </a:ext>
+                  </a:extLst>
+                </p:cNvPr>
+                <p:cNvPicPr/>
+                <p:nvPr/>
+              </p:nvPicPr>
+              <p:blipFill>
+                <a:blip r:embed="rId13"/>
+                <a:stretch>
+                  <a:fillRect/>
+                </a:stretch>
+              </p:blipFill>
+              <p:spPr>
+                <a:xfrm>
+                  <a:off x="4702969" y="2877379"/>
+                  <a:ext cx="668880" cy="32040"/>
+                </a:xfrm>
+                <a:prstGeom prst="rect">
+                  <a:avLst/>
+                </a:prstGeom>
+              </p:spPr>
+            </p:pic>
+          </mc:Fallback>
+        </mc:AlternateContent>
+        <mc:AlternateContent xmlns:mc="http://schemas.openxmlformats.org/markup-compatibility/2006">
+          <mc:Choice xmlns:p14="http://schemas.microsoft.com/office/powerpoint/2010/main" Requires="p14">
+            <p:contentPart p14:bwMode="auto" r:id="rId14">
+              <p14:nvContentPartPr>
+                <p14:cNvPr id="11" name="Ink 10">
+                  <a:extLst>
+                    <a:ext uri="{FF2B5EF4-FFF2-40B4-BE49-F238E27FC236}">
+                      <a16:creationId xmlns:a16="http://schemas.microsoft.com/office/drawing/2014/main" id="{F7E7BB14-B838-458D-9CF2-D5000BC43C27}"/>
+                    </a:ext>
+                  </a:extLst>
+                </p14:cNvPr>
+                <p14:cNvContentPartPr/>
+                <p14:nvPr/>
+              </p14:nvContentPartPr>
+              <p14:xfrm>
+                <a:off x="5471209" y="2616379"/>
+                <a:ext cx="201600" cy="155160"/>
+              </p14:xfrm>
+            </p:contentPart>
+          </mc:Choice>
+          <mc:Fallback>
+            <p:pic>
+              <p:nvPicPr>
+                <p:cNvPr id="11" name="Ink 10">
+                  <a:extLst>
+                    <a:ext uri="{FF2B5EF4-FFF2-40B4-BE49-F238E27FC236}">
+                      <a16:creationId xmlns:a16="http://schemas.microsoft.com/office/drawing/2014/main" id="{F7E7BB14-B838-458D-9CF2-D5000BC43C27}"/>
+                    </a:ext>
+                  </a:extLst>
+                </p:cNvPr>
+                <p:cNvPicPr/>
+                <p:nvPr/>
+              </p:nvPicPr>
+              <p:blipFill>
+                <a:blip r:embed="rId15"/>
+                <a:stretch>
+                  <a:fillRect/>
+                </a:stretch>
+              </p:blipFill>
+              <p:spPr>
+                <a:xfrm>
+                  <a:off x="5462569" y="2607379"/>
+                  <a:ext cx="219240" cy="172800"/>
+                </a:xfrm>
+                <a:prstGeom prst="rect">
+                  <a:avLst/>
+                </a:prstGeom>
+              </p:spPr>
+            </p:pic>
+          </mc:Fallback>
+        </mc:AlternateContent>
+        <mc:AlternateContent xmlns:mc="http://schemas.openxmlformats.org/markup-compatibility/2006">
+          <mc:Choice xmlns:p14="http://schemas.microsoft.com/office/powerpoint/2010/main" Requires="p14">
+            <p:contentPart p14:bwMode="auto" r:id="rId16">
+              <p14:nvContentPartPr>
+                <p14:cNvPr id="12" name="Ink 11">
+                  <a:extLst>
+                    <a:ext uri="{FF2B5EF4-FFF2-40B4-BE49-F238E27FC236}">
+                      <a16:creationId xmlns:a16="http://schemas.microsoft.com/office/drawing/2014/main" id="{9AA2D274-CD2A-44BB-AC56-F1993FF4C0C7}"/>
+                    </a:ext>
+                  </a:extLst>
+                </p14:cNvPr>
+                <p14:cNvContentPartPr/>
+                <p14:nvPr/>
+              </p14:nvContentPartPr>
+              <p14:xfrm>
+                <a:off x="5834449" y="2569579"/>
+                <a:ext cx="145080" cy="234720"/>
+              </p14:xfrm>
+            </p:contentPart>
+          </mc:Choice>
+          <mc:Fallback>
+            <p:pic>
+              <p:nvPicPr>
+                <p:cNvPr id="12" name="Ink 11">
+                  <a:extLst>
+                    <a:ext uri="{FF2B5EF4-FFF2-40B4-BE49-F238E27FC236}">
+                      <a16:creationId xmlns:a16="http://schemas.microsoft.com/office/drawing/2014/main" id="{9AA2D274-CD2A-44BB-AC56-F1993FF4C0C7}"/>
+                    </a:ext>
+                  </a:extLst>
+                </p:cNvPr>
+                <p:cNvPicPr/>
+                <p:nvPr/>
+              </p:nvPicPr>
+              <p:blipFill>
+                <a:blip r:embed="rId17"/>
+                <a:stretch>
+                  <a:fillRect/>
+                </a:stretch>
+              </p:blipFill>
+              <p:spPr>
+                <a:xfrm>
+                  <a:off x="5825449" y="2560579"/>
+                  <a:ext cx="162720" cy="252360"/>
+                </a:xfrm>
+                <a:prstGeom prst="rect">
+                  <a:avLst/>
+                </a:prstGeom>
+              </p:spPr>
+            </p:pic>
+          </mc:Fallback>
+        </mc:AlternateContent>
+        <mc:AlternateContent xmlns:mc="http://schemas.openxmlformats.org/markup-compatibility/2006">
+          <mc:Choice xmlns:p14="http://schemas.microsoft.com/office/powerpoint/2010/main" Requires="p14">
+            <p:contentPart p14:bwMode="auto" r:id="rId18">
+              <p14:nvContentPartPr>
+                <p14:cNvPr id="13" name="Ink 12">
+                  <a:extLst>
+                    <a:ext uri="{FF2B5EF4-FFF2-40B4-BE49-F238E27FC236}">
+                      <a16:creationId xmlns:a16="http://schemas.microsoft.com/office/drawing/2014/main" id="{5D19C24C-873D-4A22-B1B1-DFA4EB22E2C3}"/>
+                    </a:ext>
+                  </a:extLst>
+                </p14:cNvPr>
+                <p14:cNvContentPartPr/>
+                <p14:nvPr/>
+              </p14:nvContentPartPr>
+              <p14:xfrm>
+                <a:off x="6076369" y="2566699"/>
+                <a:ext cx="19080" cy="110880"/>
+              </p14:xfrm>
+            </p:contentPart>
+          </mc:Choice>
+          <mc:Fallback>
+            <p:pic>
+              <p:nvPicPr>
+                <p:cNvPr id="13" name="Ink 12">
+                  <a:extLst>
+                    <a:ext uri="{FF2B5EF4-FFF2-40B4-BE49-F238E27FC236}">
+                      <a16:creationId xmlns:a16="http://schemas.microsoft.com/office/drawing/2014/main" id="{5D19C24C-873D-4A22-B1B1-DFA4EB22E2C3}"/>
+                    </a:ext>
+                  </a:extLst>
+                </p:cNvPr>
+                <p:cNvPicPr/>
+                <p:nvPr/>
+              </p:nvPicPr>
+              <p:blipFill>
+                <a:blip r:embed="rId19"/>
+                <a:stretch>
+                  <a:fillRect/>
+                </a:stretch>
+              </p:blipFill>
+              <p:spPr>
+                <a:xfrm>
+                  <a:off x="6067369" y="2557699"/>
+                  <a:ext cx="36720" cy="128520"/>
+                </a:xfrm>
+                <a:prstGeom prst="rect">
+                  <a:avLst/>
+                </a:prstGeom>
+              </p:spPr>
+            </p:pic>
+          </mc:Fallback>
+        </mc:AlternateContent>
+        <mc:AlternateContent xmlns:mc="http://schemas.openxmlformats.org/markup-compatibility/2006">
+          <mc:Choice xmlns:p14="http://schemas.microsoft.com/office/powerpoint/2010/main" Requires="p14">
+            <p:contentPart p14:bwMode="auto" r:id="rId20">
+              <p14:nvContentPartPr>
+                <p14:cNvPr id="14" name="Ink 13">
+                  <a:extLst>
+                    <a:ext uri="{FF2B5EF4-FFF2-40B4-BE49-F238E27FC236}">
+                      <a16:creationId xmlns:a16="http://schemas.microsoft.com/office/drawing/2014/main" id="{FD90A3B1-7F91-47D9-B804-12F0B2C280FB}"/>
+                    </a:ext>
+                  </a:extLst>
+                </p14:cNvPr>
+                <p14:cNvContentPartPr/>
+                <p14:nvPr/>
+              </p14:nvContentPartPr>
+              <p14:xfrm>
+                <a:off x="6092209" y="2452579"/>
+                <a:ext cx="1440" cy="10800"/>
+              </p14:xfrm>
+            </p:contentPart>
+          </mc:Choice>
+          <mc:Fallback>
+            <p:pic>
+              <p:nvPicPr>
+                <p:cNvPr id="14" name="Ink 13">
+                  <a:extLst>
+                    <a:ext uri="{FF2B5EF4-FFF2-40B4-BE49-F238E27FC236}">
+                      <a16:creationId xmlns:a16="http://schemas.microsoft.com/office/drawing/2014/main" id="{FD90A3B1-7F91-47D9-B804-12F0B2C280FB}"/>
+                    </a:ext>
+                  </a:extLst>
+                </p:cNvPr>
+                <p:cNvPicPr/>
+                <p:nvPr/>
+              </p:nvPicPr>
+              <p:blipFill>
+                <a:blip r:embed="rId21"/>
+                <a:stretch>
+                  <a:fillRect/>
+                </a:stretch>
+              </p:blipFill>
+              <p:spPr>
+                <a:xfrm>
+                  <a:off x="6083569" y="2443579"/>
+                  <a:ext cx="19080" cy="28440"/>
+                </a:xfrm>
+                <a:prstGeom prst="rect">
+                  <a:avLst/>
+                </a:prstGeom>
+              </p:spPr>
+            </p:pic>
+          </mc:Fallback>
+        </mc:AlternateContent>
+        <mc:AlternateContent xmlns:mc="http://schemas.openxmlformats.org/markup-compatibility/2006">
+          <mc:Choice xmlns:p14="http://schemas.microsoft.com/office/powerpoint/2010/main" Requires="p14">
+            <p:contentPart p14:bwMode="auto" r:id="rId22">
+              <p14:nvContentPartPr>
+                <p14:cNvPr id="15" name="Ink 14">
+                  <a:extLst>
+                    <a:ext uri="{FF2B5EF4-FFF2-40B4-BE49-F238E27FC236}">
+                      <a16:creationId xmlns:a16="http://schemas.microsoft.com/office/drawing/2014/main" id="{55D8A4A2-5AA3-4113-8459-3BB531F16CA4}"/>
+                    </a:ext>
+                  </a:extLst>
+                </p14:cNvPr>
+                <p14:cNvContentPartPr/>
+                <p14:nvPr/>
+              </p14:nvContentPartPr>
+              <p14:xfrm>
+                <a:off x="6168169" y="2570659"/>
+                <a:ext cx="115200" cy="97200"/>
+              </p14:xfrm>
+            </p:contentPart>
+          </mc:Choice>
+          <mc:Fallback>
+            <p:pic>
+              <p:nvPicPr>
+                <p:cNvPr id="15" name="Ink 14">
+                  <a:extLst>
+                    <a:ext uri="{FF2B5EF4-FFF2-40B4-BE49-F238E27FC236}">
+                      <a16:creationId xmlns:a16="http://schemas.microsoft.com/office/drawing/2014/main" id="{55D8A4A2-5AA3-4113-8459-3BB531F16CA4}"/>
+                    </a:ext>
+                  </a:extLst>
+                </p:cNvPr>
+                <p:cNvPicPr/>
+                <p:nvPr/>
+              </p:nvPicPr>
+              <p:blipFill>
+                <a:blip r:embed="rId23"/>
+                <a:stretch>
+                  <a:fillRect/>
+                </a:stretch>
+              </p:blipFill>
+              <p:spPr>
+                <a:xfrm>
+                  <a:off x="6159169" y="2561659"/>
+                  <a:ext cx="132840" cy="114840"/>
+                </a:xfrm>
+                <a:prstGeom prst="rect">
+                  <a:avLst/>
+                </a:prstGeom>
+              </p:spPr>
+            </p:pic>
+          </mc:Fallback>
+        </mc:AlternateContent>
+        <mc:AlternateContent xmlns:mc="http://schemas.openxmlformats.org/markup-compatibility/2006">
+          <mc:Choice xmlns:p14="http://schemas.microsoft.com/office/powerpoint/2010/main" Requires="p14">
+            <p:contentPart p14:bwMode="auto" r:id="rId24">
+              <p14:nvContentPartPr>
+                <p14:cNvPr id="16" name="Ink 15">
+                  <a:extLst>
+                    <a:ext uri="{FF2B5EF4-FFF2-40B4-BE49-F238E27FC236}">
+                      <a16:creationId xmlns:a16="http://schemas.microsoft.com/office/drawing/2014/main" id="{219B4265-64A1-456B-90A3-5565940DBB73}"/>
+                    </a:ext>
+                  </a:extLst>
+                </p14:cNvPr>
+                <p14:cNvContentPartPr/>
+                <p14:nvPr/>
+              </p14:nvContentPartPr>
+              <p14:xfrm>
+                <a:off x="6337729" y="2537179"/>
+                <a:ext cx="136440" cy="100080"/>
+              </p14:xfrm>
+            </p:contentPart>
+          </mc:Choice>
+          <mc:Fallback>
+            <p:pic>
+              <p:nvPicPr>
+                <p:cNvPr id="16" name="Ink 15">
+                  <a:extLst>
+                    <a:ext uri="{FF2B5EF4-FFF2-40B4-BE49-F238E27FC236}">
+                      <a16:creationId xmlns:a16="http://schemas.microsoft.com/office/drawing/2014/main" id="{219B4265-64A1-456B-90A3-5565940DBB73}"/>
+                    </a:ext>
+                  </a:extLst>
+                </p:cNvPr>
+                <p:cNvPicPr/>
+                <p:nvPr/>
+              </p:nvPicPr>
+              <p:blipFill>
+                <a:blip r:embed="rId25"/>
+                <a:stretch>
+                  <a:fillRect/>
+                </a:stretch>
+              </p:blipFill>
+              <p:spPr>
+                <a:xfrm>
+                  <a:off x="6329089" y="2528179"/>
+                  <a:ext cx="154080" cy="117720"/>
+                </a:xfrm>
+                <a:prstGeom prst="rect">
+                  <a:avLst/>
+                </a:prstGeom>
+              </p:spPr>
+            </p:pic>
+          </mc:Fallback>
+        </mc:AlternateContent>
+        <mc:AlternateContent xmlns:mc="http://schemas.openxmlformats.org/markup-compatibility/2006">
+          <mc:Choice xmlns:p14="http://schemas.microsoft.com/office/powerpoint/2010/main" Requires="p14">
+            <p:contentPart p14:bwMode="auto" r:id="rId26">
+              <p14:nvContentPartPr>
+                <p14:cNvPr id="17" name="Ink 16">
+                  <a:extLst>
+                    <a:ext uri="{FF2B5EF4-FFF2-40B4-BE49-F238E27FC236}">
+                      <a16:creationId xmlns:a16="http://schemas.microsoft.com/office/drawing/2014/main" id="{DA206EF1-CF63-4123-B8FC-6E174083BAD6}"/>
+                    </a:ext>
+                  </a:extLst>
+                </p14:cNvPr>
+                <p14:cNvContentPartPr/>
+                <p14:nvPr/>
+              </p14:nvContentPartPr>
+              <p14:xfrm>
+                <a:off x="6545809" y="2542219"/>
+                <a:ext cx="102600" cy="59400"/>
+              </p14:xfrm>
+            </p:contentPart>
+          </mc:Choice>
+          <mc:Fallback>
+            <p:pic>
+              <p:nvPicPr>
+                <p:cNvPr id="17" name="Ink 16">
+                  <a:extLst>
+                    <a:ext uri="{FF2B5EF4-FFF2-40B4-BE49-F238E27FC236}">
+                      <a16:creationId xmlns:a16="http://schemas.microsoft.com/office/drawing/2014/main" id="{DA206EF1-CF63-4123-B8FC-6E174083BAD6}"/>
+                    </a:ext>
+                  </a:extLst>
+                </p:cNvPr>
+                <p:cNvPicPr/>
+                <p:nvPr/>
+              </p:nvPicPr>
+              <p:blipFill>
+                <a:blip r:embed="rId27"/>
+                <a:stretch>
+                  <a:fillRect/>
+                </a:stretch>
+              </p:blipFill>
+              <p:spPr>
+                <a:xfrm>
+                  <a:off x="6536809" y="2533579"/>
+                  <a:ext cx="120240" cy="77040"/>
+                </a:xfrm>
+                <a:prstGeom prst="rect">
+                  <a:avLst/>
+                </a:prstGeom>
+              </p:spPr>
+            </p:pic>
+          </mc:Fallback>
+        </mc:AlternateContent>
+        <mc:AlternateContent xmlns:mc="http://schemas.openxmlformats.org/markup-compatibility/2006">
+          <mc:Choice xmlns:p14="http://schemas.microsoft.com/office/powerpoint/2010/main" Requires="p14">
+            <p:contentPart p14:bwMode="auto" r:id="rId28">
+              <p14:nvContentPartPr>
+                <p14:cNvPr id="18" name="Ink 17">
+                  <a:extLst>
+                    <a:ext uri="{FF2B5EF4-FFF2-40B4-BE49-F238E27FC236}">
+                      <a16:creationId xmlns:a16="http://schemas.microsoft.com/office/drawing/2014/main" id="{4A6C6FBD-9A28-485C-930E-D4982EF76443}"/>
+                    </a:ext>
+                  </a:extLst>
+                </p14:cNvPr>
+                <p14:cNvContentPartPr/>
+                <p14:nvPr/>
+              </p14:nvContentPartPr>
+              <p14:xfrm>
+                <a:off x="6697369" y="2540419"/>
+                <a:ext cx="119520" cy="70200"/>
+              </p14:xfrm>
+            </p:contentPart>
+          </mc:Choice>
+          <mc:Fallback>
+            <p:pic>
+              <p:nvPicPr>
+                <p:cNvPr id="18" name="Ink 17">
+                  <a:extLst>
+                    <a:ext uri="{FF2B5EF4-FFF2-40B4-BE49-F238E27FC236}">
+                      <a16:creationId xmlns:a16="http://schemas.microsoft.com/office/drawing/2014/main" id="{4A6C6FBD-9A28-485C-930E-D4982EF76443}"/>
+                    </a:ext>
+                  </a:extLst>
+                </p:cNvPr>
+                <p:cNvPicPr/>
+                <p:nvPr/>
+              </p:nvPicPr>
+              <p:blipFill>
+                <a:blip r:embed="rId29"/>
+                <a:stretch>
+                  <a:fillRect/>
+                </a:stretch>
+              </p:blipFill>
+              <p:spPr>
+                <a:xfrm>
+                  <a:off x="6688369" y="2531779"/>
+                  <a:ext cx="137160" cy="87840"/>
+                </a:xfrm>
+                <a:prstGeom prst="rect">
+                  <a:avLst/>
+                </a:prstGeom>
+              </p:spPr>
+            </p:pic>
+          </mc:Fallback>
+        </mc:AlternateContent>
+      </p:grpSp>
+      <mc:AlternateContent xmlns:mc="http://schemas.openxmlformats.org/markup-compatibility/2006">
+        <mc:Choice xmlns:p14="http://schemas.microsoft.com/office/powerpoint/2010/main" Requires="p14">
+          <p:contentPart p14:bwMode="auto" r:id="rId30">
+            <p14:nvContentPartPr>
+              <p14:cNvPr id="20" name="Ink 19">
+                <a:extLst>
+                  <a:ext uri="{FF2B5EF4-FFF2-40B4-BE49-F238E27FC236}">
+                    <a16:creationId xmlns:a16="http://schemas.microsoft.com/office/drawing/2014/main" id="{9CADA691-6F2B-416D-A341-1DF53BB2025B}"/>
+                  </a:ext>
+                </a:extLst>
+              </p14:cNvPr>
+              <p14:cNvContentPartPr/>
+              <p14:nvPr/>
+            </p14:nvContentPartPr>
+            <p14:xfrm>
+              <a:off x="4398409" y="3275899"/>
+              <a:ext cx="1073880" cy="60840"/>
+            </p14:xfrm>
+          </p:contentPart>
+        </mc:Choice>
+        <mc:Fallback>
+          <p:pic>
+            <p:nvPicPr>
+              <p:cNvPr id="20" name="Ink 19">
+                <a:extLst>
+                  <a:ext uri="{FF2B5EF4-FFF2-40B4-BE49-F238E27FC236}">
+                    <a16:creationId xmlns:a16="http://schemas.microsoft.com/office/drawing/2014/main" id="{9CADA691-6F2B-416D-A341-1DF53BB2025B}"/>
+                  </a:ext>
+                </a:extLst>
+              </p:cNvPr>
+              <p:cNvPicPr/>
+              <p:nvPr/>
+            </p:nvPicPr>
+            <p:blipFill>
+              <a:blip r:embed="rId31"/>
+              <a:stretch>
+                <a:fillRect/>
+              </a:stretch>
+            </p:blipFill>
+            <p:spPr>
+              <a:xfrm>
+                <a:off x="4389409" y="3267259"/>
+                <a:ext cx="1091520" cy="78480"/>
+              </a:xfrm>
+              <a:prstGeom prst="rect">
+                <a:avLst/>
+              </a:prstGeom>
+            </p:spPr>
+          </p:pic>
+        </mc:Fallback>
+      </mc:AlternateContent>
+      <p:grpSp>
+        <p:nvGrpSpPr>
+          <p:cNvPr id="23" name="Group 22">
+            <a:extLst>
+              <a:ext uri="{FF2B5EF4-FFF2-40B4-BE49-F238E27FC236}">
+                <a16:creationId xmlns:a16="http://schemas.microsoft.com/office/drawing/2014/main" id="{2B3CBCCE-2C65-42EA-ADC3-2CA6927EC55C}"/>
+              </a:ext>
+            </a:extLst>
+          </p:cNvPr>
+          <p:cNvGrpSpPr/>
+          <p:nvPr/>
+        </p:nvGrpSpPr>
+        <p:grpSpPr>
+          <a:xfrm>
+            <a:off x="501769" y="3361939"/>
+            <a:ext cx="165240" cy="1347120"/>
+            <a:chOff x="501769" y="3361939"/>
+            <a:chExt cx="165240" cy="1347120"/>
+          </a:xfrm>
+        </p:grpSpPr>
+        <mc:AlternateContent xmlns:mc="http://schemas.openxmlformats.org/markup-compatibility/2006">
+          <mc:Choice xmlns:p14="http://schemas.microsoft.com/office/powerpoint/2010/main" Requires="p14">
+            <p:contentPart p14:bwMode="auto" r:id="rId32">
+              <p14:nvContentPartPr>
+                <p14:cNvPr id="21" name="Ink 20">
+                  <a:extLst>
+                    <a:ext uri="{FF2B5EF4-FFF2-40B4-BE49-F238E27FC236}">
+                      <a16:creationId xmlns:a16="http://schemas.microsoft.com/office/drawing/2014/main" id="{2CE9E70D-A932-4677-AF6A-35759789AB38}"/>
+                    </a:ext>
+                  </a:extLst>
+                </p14:cNvPr>
+                <p14:cNvContentPartPr/>
+                <p14:nvPr/>
+              </p14:nvContentPartPr>
+              <p14:xfrm>
+                <a:off x="575929" y="3361939"/>
+                <a:ext cx="72360" cy="11880"/>
+              </p14:xfrm>
+            </p:contentPart>
+          </mc:Choice>
+          <mc:Fallback>
+            <p:pic>
+              <p:nvPicPr>
+                <p:cNvPr id="21" name="Ink 20">
+                  <a:extLst>
+                    <a:ext uri="{FF2B5EF4-FFF2-40B4-BE49-F238E27FC236}">
+                      <a16:creationId xmlns:a16="http://schemas.microsoft.com/office/drawing/2014/main" id="{2CE9E70D-A932-4677-AF6A-35759789AB38}"/>
+                    </a:ext>
+                  </a:extLst>
+                </p:cNvPr>
+                <p:cNvPicPr/>
+                <p:nvPr/>
+              </p:nvPicPr>
+              <p:blipFill>
+                <a:blip r:embed="rId33"/>
+                <a:stretch>
+                  <a:fillRect/>
+                </a:stretch>
+              </p:blipFill>
+              <p:spPr>
+                <a:xfrm>
+                  <a:off x="566929" y="3352939"/>
+                  <a:ext cx="90000" cy="29520"/>
+                </a:xfrm>
+                <a:prstGeom prst="rect">
+                  <a:avLst/>
+                </a:prstGeom>
+              </p:spPr>
+            </p:pic>
+          </mc:Fallback>
+        </mc:AlternateContent>
+        <mc:AlternateContent xmlns:mc="http://schemas.openxmlformats.org/markup-compatibility/2006">
+          <mc:Choice xmlns:p14="http://schemas.microsoft.com/office/powerpoint/2010/main" Requires="p14">
+            <p:contentPart p14:bwMode="auto" r:id="rId34">
+              <p14:nvContentPartPr>
+                <p14:cNvPr id="22" name="Ink 21">
+                  <a:extLst>
+                    <a:ext uri="{FF2B5EF4-FFF2-40B4-BE49-F238E27FC236}">
+                      <a16:creationId xmlns:a16="http://schemas.microsoft.com/office/drawing/2014/main" id="{22738C8A-3B6D-4CD9-80A5-A884650EAE52}"/>
+                    </a:ext>
+                  </a:extLst>
+                </p14:cNvPr>
+                <p14:cNvContentPartPr/>
+                <p14:nvPr/>
+              </p14:nvContentPartPr>
+              <p14:xfrm>
+                <a:off x="501769" y="3375259"/>
+                <a:ext cx="165240" cy="1333800"/>
+              </p14:xfrm>
+            </p:contentPart>
+          </mc:Choice>
+          <mc:Fallback>
+            <p:pic>
+              <p:nvPicPr>
+                <p:cNvPr id="22" name="Ink 21">
+                  <a:extLst>
+                    <a:ext uri="{FF2B5EF4-FFF2-40B4-BE49-F238E27FC236}">
+                      <a16:creationId xmlns:a16="http://schemas.microsoft.com/office/drawing/2014/main" id="{22738C8A-3B6D-4CD9-80A5-A884650EAE52}"/>
+                    </a:ext>
+                  </a:extLst>
+                </p:cNvPr>
+                <p:cNvPicPr/>
+                <p:nvPr/>
+              </p:nvPicPr>
+              <p:blipFill>
+                <a:blip r:embed="rId35"/>
+                <a:stretch>
+                  <a:fillRect/>
+                </a:stretch>
+              </p:blipFill>
+              <p:spPr>
+                <a:xfrm>
+                  <a:off x="493129" y="3366619"/>
+                  <a:ext cx="182880" cy="1351440"/>
+                </a:xfrm>
+                <a:prstGeom prst="rect">
+                  <a:avLst/>
+                </a:prstGeom>
+              </p:spPr>
+            </p:pic>
+          </mc:Fallback>
+        </mc:AlternateContent>
+      </p:grpSp>
+      <mc:AlternateContent xmlns:mc="http://schemas.openxmlformats.org/markup-compatibility/2006">
+        <mc:Choice xmlns:p14="http://schemas.microsoft.com/office/powerpoint/2010/main" Requires="p14">
+          <p:contentPart p14:bwMode="auto" r:id="rId36">
+            <p14:nvContentPartPr>
+              <p14:cNvPr id="24" name="Ink 23">
+                <a:extLst>
+                  <a:ext uri="{FF2B5EF4-FFF2-40B4-BE49-F238E27FC236}">
+                    <a16:creationId xmlns:a16="http://schemas.microsoft.com/office/drawing/2014/main" id="{7D6608D2-B6BD-425D-834D-AF3050CF7920}"/>
+                  </a:ext>
+                </a:extLst>
+              </p14:cNvPr>
+              <p14:cNvContentPartPr/>
+              <p14:nvPr/>
+            </p14:nvContentPartPr>
+            <p14:xfrm>
+              <a:off x="2912329" y="3901219"/>
+              <a:ext cx="531000" cy="19080"/>
+            </p14:xfrm>
+          </p:contentPart>
+        </mc:Choice>
+        <mc:Fallback>
+          <p:pic>
+            <p:nvPicPr>
+              <p:cNvPr id="24" name="Ink 23">
+                <a:extLst>
+                  <a:ext uri="{FF2B5EF4-FFF2-40B4-BE49-F238E27FC236}">
+                    <a16:creationId xmlns:a16="http://schemas.microsoft.com/office/drawing/2014/main" id="{7D6608D2-B6BD-425D-834D-AF3050CF7920}"/>
+                  </a:ext>
+                </a:extLst>
+              </p:cNvPr>
+              <p:cNvPicPr/>
+              <p:nvPr/>
+            </p:nvPicPr>
+            <p:blipFill>
+              <a:blip r:embed="rId37"/>
+              <a:stretch>
+                <a:fillRect/>
+              </a:stretch>
+            </p:blipFill>
+            <p:spPr>
+              <a:xfrm>
+                <a:off x="2903689" y="3892219"/>
+                <a:ext cx="548640" cy="36720"/>
+              </a:xfrm>
+              <a:prstGeom prst="rect">
+                <a:avLst/>
+              </a:prstGeom>
+            </p:spPr>
+          </p:pic>
+        </mc:Fallback>
+      </mc:AlternateContent>
+      <mc:AlternateContent xmlns:mc="http://schemas.openxmlformats.org/markup-compatibility/2006">
+        <mc:Choice xmlns:p14="http://schemas.microsoft.com/office/powerpoint/2010/main" Requires="p14">
+          <p:contentPart p14:bwMode="auto" r:id="rId38">
+            <p14:nvContentPartPr>
+              <p14:cNvPr id="25" name="Ink 24">
+                <a:extLst>
+                  <a:ext uri="{FF2B5EF4-FFF2-40B4-BE49-F238E27FC236}">
+                    <a16:creationId xmlns:a16="http://schemas.microsoft.com/office/drawing/2014/main" id="{5C498911-E2B9-4B61-B6A1-C04F8EBD02CC}"/>
+                  </a:ext>
+                </a:extLst>
+              </p14:cNvPr>
+              <p14:cNvContentPartPr/>
+              <p14:nvPr/>
+            </p14:nvContentPartPr>
+            <p14:xfrm>
+              <a:off x="2783089" y="4245019"/>
+              <a:ext cx="559800" cy="27360"/>
+            </p14:xfrm>
+          </p:contentPart>
+        </mc:Choice>
+        <mc:Fallback>
+          <p:pic>
+            <p:nvPicPr>
+              <p:cNvPr id="25" name="Ink 24">
+                <a:extLst>
+                  <a:ext uri="{FF2B5EF4-FFF2-40B4-BE49-F238E27FC236}">
+                    <a16:creationId xmlns:a16="http://schemas.microsoft.com/office/drawing/2014/main" id="{5C498911-E2B9-4B61-B6A1-C04F8EBD02CC}"/>
+                  </a:ext>
+                </a:extLst>
+              </p:cNvPr>
+              <p:cNvPicPr/>
+              <p:nvPr/>
+            </p:nvPicPr>
+            <p:blipFill>
+              <a:blip r:embed="rId39"/>
+              <a:stretch>
+                <a:fillRect/>
+              </a:stretch>
+            </p:blipFill>
+            <p:spPr>
+              <a:xfrm>
+                <a:off x="2774449" y="4236019"/>
+                <a:ext cx="577440" cy="45000"/>
+              </a:xfrm>
+              <a:prstGeom prst="rect">
+                <a:avLst/>
+              </a:prstGeom>
+            </p:spPr>
+          </p:pic>
+        </mc:Fallback>
+      </mc:AlternateContent>
+      <mc:AlternateContent xmlns:mc="http://schemas.openxmlformats.org/markup-compatibility/2006">
+        <mc:Choice xmlns:p14="http://schemas.microsoft.com/office/powerpoint/2010/main" Requires="p14">
+          <p:contentPart p14:bwMode="auto" r:id="rId40">
+            <p14:nvContentPartPr>
+              <p14:cNvPr id="26" name="Ink 25">
+                <a:extLst>
+                  <a:ext uri="{FF2B5EF4-FFF2-40B4-BE49-F238E27FC236}">
+                    <a16:creationId xmlns:a16="http://schemas.microsoft.com/office/drawing/2014/main" id="{DACE499D-A825-486C-B8CC-C27E0D953F4D}"/>
+                  </a:ext>
+                </a:extLst>
+              </p14:cNvPr>
+              <p14:cNvContentPartPr/>
+              <p14:nvPr/>
+            </p14:nvContentPartPr>
+            <p14:xfrm>
+              <a:off x="3642049" y="4522939"/>
+              <a:ext cx="444600" cy="53280"/>
+            </p14:xfrm>
+          </p:contentPart>
+        </mc:Choice>
+        <mc:Fallback>
+          <p:pic>
+            <p:nvPicPr>
+              <p:cNvPr id="26" name="Ink 25">
+                <a:extLst>
+                  <a:ext uri="{FF2B5EF4-FFF2-40B4-BE49-F238E27FC236}">
+                    <a16:creationId xmlns:a16="http://schemas.microsoft.com/office/drawing/2014/main" id="{DACE499D-A825-486C-B8CC-C27E0D953F4D}"/>
+                  </a:ext>
+                </a:extLst>
+              </p:cNvPr>
+              <p:cNvPicPr/>
+              <p:nvPr/>
+            </p:nvPicPr>
+            <p:blipFill>
+              <a:blip r:embed="rId41"/>
+              <a:stretch>
+                <a:fillRect/>
+              </a:stretch>
+            </p:blipFill>
+            <p:spPr>
+              <a:xfrm>
+                <a:off x="3633409" y="4513939"/>
+                <a:ext cx="462240" cy="70920"/>
+              </a:xfrm>
+              <a:prstGeom prst="rect">
+                <a:avLst/>
+              </a:prstGeom>
+            </p:spPr>
+          </p:pic>
+        </mc:Fallback>
+      </mc:AlternateContent>
     </p:spTree>
     <p:extLst>
       <p:ext uri="{BB962C8B-B14F-4D97-AF65-F5344CB8AC3E}">
